--- a/Slides/Lesson 0.6 Dealing with Conflicts in Git.pptx
+++ b/Slides/Lesson 0.6 Dealing with Conflicts in Git.pptx
@@ -13114,7 +13114,7 @@
           <a:p>
             <a:fld id="{0233C7F8-0593-45B9-BDBA-CA5BA478F912}" type="datetimeFigureOut">
               <a:rPr lang="en-US" smtClean="0"/>
-              <a:t>7/6/2014</a:t>
+              <a:t>8/1/2015</a:t>
             </a:fld>
             <a:endParaRPr lang="en-US"/>
           </a:p>
@@ -13647,7 +13647,7 @@
           <a:p>
             <a:fld id="{1EC6C1BC-36EB-47E8-BB9B-647AB7805A16}" type="datetime1">
               <a:rPr lang="en-US" smtClean="0"/>
-              <a:t>7/6/2014</a:t>
+              <a:t>8/1/2015</a:t>
             </a:fld>
             <a:endParaRPr lang="en-US"/>
           </a:p>
@@ -13820,7 +13820,7 @@
           <a:p>
             <a:fld id="{13C80263-1EF5-4972-8584-A05A00AE1F13}" type="datetime1">
               <a:rPr lang="en-US" smtClean="0"/>
-              <a:t>7/6/2014</a:t>
+              <a:t>8/1/2015</a:t>
             </a:fld>
             <a:endParaRPr lang="en-US"/>
           </a:p>
@@ -13996,7 +13996,7 @@
           <a:p>
             <a:fld id="{1DC977A2-36E4-4729-9095-0B30AE4FC8F1}" type="datetime1">
               <a:rPr lang="en-US" smtClean="0"/>
-              <a:t>7/6/2014</a:t>
+              <a:t>8/1/2015</a:t>
             </a:fld>
             <a:endParaRPr lang="en-US"/>
           </a:p>
@@ -14080,7 +14080,13 @@
             <p:ph type="title"/>
           </p:nvPr>
         </p:nvSpPr>
-        <p:spPr/>
+        <p:spPr>
+          <a:ln w="28575">
+            <a:solidFill>
+              <a:schemeClr val="accent1"/>
+            </a:solidFill>
+          </a:ln>
+        </p:spPr>
         <p:txBody>
           <a:bodyPr/>
           <a:lstStyle/>
@@ -14162,7 +14168,7 @@
           <a:p>
             <a:fld id="{8A8A4F6F-0C5D-4039-8DE5-19EEF2D994F7}" type="datetime1">
               <a:rPr lang="en-US" smtClean="0"/>
-              <a:t>7/6/2014</a:t>
+              <a:t>8/1/2015</a:t>
             </a:fld>
             <a:endParaRPr lang="en-US"/>
           </a:p>
@@ -14411,7 +14417,7 @@
           <a:p>
             <a:fld id="{2AD6E3B8-7C47-4309-9628-295ACFA0AD78}" type="datetime1">
               <a:rPr lang="en-US" smtClean="0"/>
-              <a:t>7/6/2014</a:t>
+              <a:t>8/1/2015</a:t>
             </a:fld>
             <a:endParaRPr lang="en-US"/>
           </a:p>
@@ -14695,7 +14701,7 @@
           <a:p>
             <a:fld id="{585C4994-C579-4B55-A40A-1E45AC666322}" type="datetime1">
               <a:rPr lang="en-US" smtClean="0"/>
-              <a:t>7/6/2014</a:t>
+              <a:t>8/1/2015</a:t>
             </a:fld>
             <a:endParaRPr lang="en-US"/>
           </a:p>
@@ -15113,7 +15119,7 @@
           <a:p>
             <a:fld id="{E633001D-2543-4500-98A8-1AA62093D4DE}" type="datetime1">
               <a:rPr lang="en-US" smtClean="0"/>
-              <a:t>7/6/2014</a:t>
+              <a:t>8/1/2015</a:t>
             </a:fld>
             <a:endParaRPr lang="en-US"/>
           </a:p>
@@ -15227,7 +15233,7 @@
           <a:p>
             <a:fld id="{06B29BA6-3E26-4A99-8FE0-E9996DEBA7B6}" type="datetime1">
               <a:rPr lang="en-US" smtClean="0"/>
-              <a:t>7/6/2014</a:t>
+              <a:t>8/1/2015</a:t>
             </a:fld>
             <a:endParaRPr lang="en-US"/>
           </a:p>
@@ -15325,7 +15331,7 @@
           <a:p>
             <a:fld id="{4C5CF89C-2569-4492-ACA3-21246CEB0095}" type="datetime1">
               <a:rPr lang="en-US" smtClean="0"/>
-              <a:t>7/6/2014</a:t>
+              <a:t>8/1/2015</a:t>
             </a:fld>
             <a:endParaRPr lang="en-US"/>
           </a:p>
@@ -15598,7 +15604,7 @@
           <a:p>
             <a:fld id="{E904AF07-FDA4-4400-A20B-046421A023BD}" type="datetime1">
               <a:rPr lang="en-US" smtClean="0"/>
-              <a:t>7/6/2014</a:t>
+              <a:t>8/1/2015</a:t>
             </a:fld>
             <a:endParaRPr lang="en-US"/>
           </a:p>
@@ -15847,7 +15853,7 @@
           <a:p>
             <a:fld id="{9FF63D5F-E484-42DE-8225-5E6B0B8EB35A}" type="datetime1">
               <a:rPr lang="en-US" smtClean="0"/>
-              <a:t>7/6/2014</a:t>
+              <a:t>8/1/2015</a:t>
             </a:fld>
             <a:endParaRPr lang="en-US"/>
           </a:p>
@@ -16056,7 +16062,7 @@
           <a:p>
             <a:fld id="{3EE79600-C080-49FA-9DEC-697A73724DC7}" type="datetime1">
               <a:rPr lang="en-US" smtClean="0"/>
-              <a:t>7/6/2014</a:t>
+              <a:t>8/1/2015</a:t>
             </a:fld>
             <a:endParaRPr lang="en-US"/>
           </a:p>
@@ -16481,13 +16487,8 @@
           <a:p>
             <a:r>
               <a:rPr lang="en-US" dirty="0" smtClean="0"/>
-              <a:t>CS </a:t>
+              <a:t>CS 5010 Program Design Paradigms</a:t>
             </a:r>
-            <a:r>
-              <a:rPr lang="en-US" dirty="0" smtClean="0"/>
-              <a:t>5010 Program Design Paradigms</a:t>
-            </a:r>
-            <a:endParaRPr lang="en-US" dirty="0" smtClean="0"/>
           </a:p>
           <a:p>
             <a:r>

--- a/Slides/Lesson 0.6 Dealing with Conflicts in Git.pptx
+++ b/Slides/Lesson 0.6 Dealing with Conflicts in Git.pptx
@@ -2407,10 +2407,9 @@
         <a:lstStyle/>
         <a:p>
           <a:r>
-            <a:rPr lang="en-US" dirty="0" smtClean="0"/>
+            <a:rPr lang="en-US" dirty="0"/>
             <a:t>my-project</a:t>
           </a:r>
-          <a:endParaRPr lang="en-US" dirty="0"/>
         </a:p>
       </dgm:t>
     </dgm:pt>
@@ -2444,10 +2443,9 @@
         <a:lstStyle/>
         <a:p>
           <a:r>
-            <a:rPr lang="en-US" dirty="0" smtClean="0"/>
+            <a:rPr lang="en-US" dirty="0"/>
             <a:t>docs</a:t>
           </a:r>
-          <a:endParaRPr lang="en-US" dirty="0"/>
         </a:p>
       </dgm:t>
     </dgm:pt>
@@ -2481,10 +2479,9 @@
         <a:lstStyle/>
         <a:p>
           <a:r>
-            <a:rPr lang="en-US" dirty="0" smtClean="0"/>
+            <a:rPr lang="en-US" dirty="0"/>
             <a:t>manual.docx</a:t>
           </a:r>
-          <a:endParaRPr lang="en-US" dirty="0"/>
         </a:p>
       </dgm:t>
     </dgm:pt>
@@ -2518,10 +2515,9 @@
         <a:lstStyle/>
         <a:p>
           <a:r>
-            <a:rPr lang="en-US" dirty="0" smtClean="0"/>
+            <a:rPr lang="en-US" dirty="0"/>
             <a:t>user_docs.docx</a:t>
           </a:r>
-          <a:endParaRPr lang="en-US" dirty="0"/>
         </a:p>
       </dgm:t>
     </dgm:pt>
@@ -2555,7 +2551,7 @@
         <a:lstStyle/>
         <a:p>
           <a:r>
-            <a:rPr lang="en-US" dirty="0" err="1" smtClean="0"/>
+            <a:rPr lang="en-US" dirty="0" err="1"/>
             <a:t>src</a:t>
           </a:r>
           <a:endParaRPr lang="en-US" dirty="0"/>
@@ -2592,7 +2588,7 @@
         <a:lstStyle/>
         <a:p>
           <a:r>
-            <a:rPr lang="en-US" dirty="0" err="1" smtClean="0"/>
+            <a:rPr lang="en-US" dirty="0" err="1"/>
             <a:t>main.rkt</a:t>
           </a:r>
           <a:endParaRPr lang="en-US" dirty="0"/>
@@ -2629,10 +2625,9 @@
         <a:lstStyle/>
         <a:p>
           <a:r>
-            <a:rPr lang="en-US" dirty="0" smtClean="0"/>
+            <a:rPr lang="en-US" dirty="0"/>
             <a:t>module1.rkt</a:t>
           </a:r>
-          <a:endParaRPr lang="en-US" dirty="0"/>
         </a:p>
       </dgm:t>
     </dgm:pt>
@@ -2666,10 +2661,9 @@
         <a:lstStyle/>
         <a:p>
           <a:r>
-            <a:rPr lang="en-US" dirty="0" smtClean="0"/>
+            <a:rPr lang="en-US" dirty="0"/>
             <a:t>module2.rkt</a:t>
           </a:r>
-          <a:endParaRPr lang="en-US" dirty="0"/>
         </a:p>
       </dgm:t>
     </dgm:pt>
@@ -2703,10 +2697,9 @@
         <a:lstStyle/>
         <a:p>
           <a:r>
-            <a:rPr lang="en-US" dirty="0" smtClean="0"/>
+            <a:rPr lang="en-US" dirty="0"/>
             <a:t>module3.rkt</a:t>
           </a:r>
-          <a:endParaRPr lang="en-US" dirty="0"/>
         </a:p>
       </dgm:t>
     </dgm:pt>
@@ -2743,13 +2736,6 @@
         </dgm:presLayoutVars>
       </dgm:prSet>
       <dgm:spPr/>
-      <dgm:t>
-        <a:bodyPr/>
-        <a:lstStyle/>
-        <a:p>
-          <a:endParaRPr lang="en-US"/>
-        </a:p>
-      </dgm:t>
     </dgm:pt>
     <dgm:pt modelId="{64CF4588-342D-431F-BAAB-0FED7C7B9B22}" type="pres">
       <dgm:prSet presAssocID="{3B05B665-67A3-49B9-8B39-9C1EE857274C}" presName="root1" presStyleCnt="0"/>
@@ -2762,13 +2748,6 @@
         </dgm:presLayoutVars>
       </dgm:prSet>
       <dgm:spPr/>
-      <dgm:t>
-        <a:bodyPr/>
-        <a:lstStyle/>
-        <a:p>
-          <a:endParaRPr lang="en-US"/>
-        </a:p>
-      </dgm:t>
     </dgm:pt>
     <dgm:pt modelId="{8F76A44D-3E95-4BEE-A6A2-B19DE39C4CC8}" type="pres">
       <dgm:prSet presAssocID="{3B05B665-67A3-49B9-8B39-9C1EE857274C}" presName="level2hierChild" presStyleCnt="0"/>
@@ -2777,24 +2756,10 @@
     <dgm:pt modelId="{27E9DFBA-38D9-4890-81CD-E6DD6F1BD76C}" type="pres">
       <dgm:prSet presAssocID="{949292E5-5D9F-4BED-BBD5-D5D43417B63B}" presName="conn2-1" presStyleLbl="parChTrans1D2" presStyleIdx="0" presStyleCnt="2"/>
       <dgm:spPr/>
-      <dgm:t>
-        <a:bodyPr/>
-        <a:lstStyle/>
-        <a:p>
-          <a:endParaRPr lang="en-US"/>
-        </a:p>
-      </dgm:t>
     </dgm:pt>
     <dgm:pt modelId="{CBB3C906-6C8E-43D0-A349-5CBA1BD5A1B2}" type="pres">
       <dgm:prSet presAssocID="{949292E5-5D9F-4BED-BBD5-D5D43417B63B}" presName="connTx" presStyleLbl="parChTrans1D2" presStyleIdx="0" presStyleCnt="2"/>
       <dgm:spPr/>
-      <dgm:t>
-        <a:bodyPr/>
-        <a:lstStyle/>
-        <a:p>
-          <a:endParaRPr lang="en-US"/>
-        </a:p>
-      </dgm:t>
     </dgm:pt>
     <dgm:pt modelId="{16C6700E-9EBB-48A6-AFAB-3DD87471C1C2}" type="pres">
       <dgm:prSet presAssocID="{003EA6EE-58E5-40BF-9EA2-140291096720}" presName="root2" presStyleCnt="0"/>
@@ -2807,13 +2772,6 @@
         </dgm:presLayoutVars>
       </dgm:prSet>
       <dgm:spPr/>
-      <dgm:t>
-        <a:bodyPr/>
-        <a:lstStyle/>
-        <a:p>
-          <a:endParaRPr lang="en-US"/>
-        </a:p>
-      </dgm:t>
     </dgm:pt>
     <dgm:pt modelId="{F1DFB375-DAC6-4FF8-91DE-BC0637159726}" type="pres">
       <dgm:prSet presAssocID="{003EA6EE-58E5-40BF-9EA2-140291096720}" presName="level3hierChild" presStyleCnt="0"/>
@@ -2822,24 +2780,10 @@
     <dgm:pt modelId="{22C8D88C-9200-449A-95CA-C6C951FF9EFA}" type="pres">
       <dgm:prSet presAssocID="{432DCC30-3D30-4766-AE5A-DDA1E8E1C694}" presName="conn2-1" presStyleLbl="parChTrans1D3" presStyleIdx="0" presStyleCnt="6"/>
       <dgm:spPr/>
-      <dgm:t>
-        <a:bodyPr/>
-        <a:lstStyle/>
-        <a:p>
-          <a:endParaRPr lang="en-US"/>
-        </a:p>
-      </dgm:t>
     </dgm:pt>
     <dgm:pt modelId="{D7C91FB9-804C-419F-A840-60C1222CFEF0}" type="pres">
       <dgm:prSet presAssocID="{432DCC30-3D30-4766-AE5A-DDA1E8E1C694}" presName="connTx" presStyleLbl="parChTrans1D3" presStyleIdx="0" presStyleCnt="6"/>
       <dgm:spPr/>
-      <dgm:t>
-        <a:bodyPr/>
-        <a:lstStyle/>
-        <a:p>
-          <a:endParaRPr lang="en-US"/>
-        </a:p>
-      </dgm:t>
     </dgm:pt>
     <dgm:pt modelId="{6F13C50F-5A4A-42FF-8D18-6257C655505C}" type="pres">
       <dgm:prSet presAssocID="{0143ECBF-D013-4B67-835C-463B22DE9D12}" presName="root2" presStyleCnt="0"/>
@@ -2852,13 +2796,6 @@
         </dgm:presLayoutVars>
       </dgm:prSet>
       <dgm:spPr/>
-      <dgm:t>
-        <a:bodyPr/>
-        <a:lstStyle/>
-        <a:p>
-          <a:endParaRPr lang="en-US"/>
-        </a:p>
-      </dgm:t>
     </dgm:pt>
     <dgm:pt modelId="{230A0D65-0855-402C-9DCF-6B08869A5139}" type="pres">
       <dgm:prSet presAssocID="{0143ECBF-D013-4B67-835C-463B22DE9D12}" presName="level3hierChild" presStyleCnt="0"/>
@@ -2867,24 +2804,10 @@
     <dgm:pt modelId="{DF8ACA11-A784-4636-BE9F-ADD52C706CBC}" type="pres">
       <dgm:prSet presAssocID="{BE7A866F-FCC5-436D-A2E0-A8A6DF76F8EB}" presName="conn2-1" presStyleLbl="parChTrans1D3" presStyleIdx="1" presStyleCnt="6"/>
       <dgm:spPr/>
-      <dgm:t>
-        <a:bodyPr/>
-        <a:lstStyle/>
-        <a:p>
-          <a:endParaRPr lang="en-US"/>
-        </a:p>
-      </dgm:t>
     </dgm:pt>
     <dgm:pt modelId="{4E231741-F076-452D-97E4-5E3BC1C34C63}" type="pres">
       <dgm:prSet presAssocID="{BE7A866F-FCC5-436D-A2E0-A8A6DF76F8EB}" presName="connTx" presStyleLbl="parChTrans1D3" presStyleIdx="1" presStyleCnt="6"/>
       <dgm:spPr/>
-      <dgm:t>
-        <a:bodyPr/>
-        <a:lstStyle/>
-        <a:p>
-          <a:endParaRPr lang="en-US"/>
-        </a:p>
-      </dgm:t>
     </dgm:pt>
     <dgm:pt modelId="{9101B551-1B1D-4A77-A019-BBEE43D3A318}" type="pres">
       <dgm:prSet presAssocID="{B134233E-B436-4370-8867-923B23EB229F}" presName="root2" presStyleCnt="0"/>
@@ -2897,13 +2820,6 @@
         </dgm:presLayoutVars>
       </dgm:prSet>
       <dgm:spPr/>
-      <dgm:t>
-        <a:bodyPr/>
-        <a:lstStyle/>
-        <a:p>
-          <a:endParaRPr lang="en-US"/>
-        </a:p>
-      </dgm:t>
     </dgm:pt>
     <dgm:pt modelId="{F811D60C-AF2A-4807-93C3-7732DE610F21}" type="pres">
       <dgm:prSet presAssocID="{B134233E-B436-4370-8867-923B23EB229F}" presName="level3hierChild" presStyleCnt="0"/>
@@ -2912,24 +2828,10 @@
     <dgm:pt modelId="{37DFA971-3BDD-4614-B3F4-FCCCA928E801}" type="pres">
       <dgm:prSet presAssocID="{0969A4AF-FC06-4FD3-8A4B-F1026C3F433B}" presName="conn2-1" presStyleLbl="parChTrans1D2" presStyleIdx="1" presStyleCnt="2"/>
       <dgm:spPr/>
-      <dgm:t>
-        <a:bodyPr/>
-        <a:lstStyle/>
-        <a:p>
-          <a:endParaRPr lang="en-US"/>
-        </a:p>
-      </dgm:t>
     </dgm:pt>
     <dgm:pt modelId="{2ED7A92A-530E-424D-81D7-0ABA1FBF8E80}" type="pres">
       <dgm:prSet presAssocID="{0969A4AF-FC06-4FD3-8A4B-F1026C3F433B}" presName="connTx" presStyleLbl="parChTrans1D2" presStyleIdx="1" presStyleCnt="2"/>
       <dgm:spPr/>
-      <dgm:t>
-        <a:bodyPr/>
-        <a:lstStyle/>
-        <a:p>
-          <a:endParaRPr lang="en-US"/>
-        </a:p>
-      </dgm:t>
     </dgm:pt>
     <dgm:pt modelId="{E5225CE1-2F09-4369-9607-0D669EBA8068}" type="pres">
       <dgm:prSet presAssocID="{191770CA-EAB0-484A-8FFB-8F7DA062CE62}" presName="root2" presStyleCnt="0"/>
@@ -2942,13 +2844,6 @@
         </dgm:presLayoutVars>
       </dgm:prSet>
       <dgm:spPr/>
-      <dgm:t>
-        <a:bodyPr/>
-        <a:lstStyle/>
-        <a:p>
-          <a:endParaRPr lang="en-US"/>
-        </a:p>
-      </dgm:t>
     </dgm:pt>
     <dgm:pt modelId="{BFED8BB7-D33D-472F-9935-70CC83B2F037}" type="pres">
       <dgm:prSet presAssocID="{191770CA-EAB0-484A-8FFB-8F7DA062CE62}" presName="level3hierChild" presStyleCnt="0"/>
@@ -2957,24 +2852,10 @@
     <dgm:pt modelId="{500CC38C-370D-4E38-962F-8E689C001DB3}" type="pres">
       <dgm:prSet presAssocID="{B2BE598A-CF53-4EAD-958F-AC3942F42736}" presName="conn2-1" presStyleLbl="parChTrans1D3" presStyleIdx="2" presStyleCnt="6"/>
       <dgm:spPr/>
-      <dgm:t>
-        <a:bodyPr/>
-        <a:lstStyle/>
-        <a:p>
-          <a:endParaRPr lang="en-US"/>
-        </a:p>
-      </dgm:t>
     </dgm:pt>
     <dgm:pt modelId="{85D74912-EC50-4B9F-B5C0-FAED0F6C91EF}" type="pres">
       <dgm:prSet presAssocID="{B2BE598A-CF53-4EAD-958F-AC3942F42736}" presName="connTx" presStyleLbl="parChTrans1D3" presStyleIdx="2" presStyleCnt="6"/>
       <dgm:spPr/>
-      <dgm:t>
-        <a:bodyPr/>
-        <a:lstStyle/>
-        <a:p>
-          <a:endParaRPr lang="en-US"/>
-        </a:p>
-      </dgm:t>
     </dgm:pt>
     <dgm:pt modelId="{00CEF6A7-71FB-4F30-8D68-E51F32B89E83}" type="pres">
       <dgm:prSet presAssocID="{2AD198EF-5E35-4DCE-8157-F6F2E2783276}" presName="root2" presStyleCnt="0"/>
@@ -2987,13 +2868,6 @@
         </dgm:presLayoutVars>
       </dgm:prSet>
       <dgm:spPr/>
-      <dgm:t>
-        <a:bodyPr/>
-        <a:lstStyle/>
-        <a:p>
-          <a:endParaRPr lang="en-US"/>
-        </a:p>
-      </dgm:t>
     </dgm:pt>
     <dgm:pt modelId="{80B51281-666C-4AB5-84E9-437113A56E9E}" type="pres">
       <dgm:prSet presAssocID="{2AD198EF-5E35-4DCE-8157-F6F2E2783276}" presName="level3hierChild" presStyleCnt="0"/>
@@ -3002,24 +2876,10 @@
     <dgm:pt modelId="{5B061652-2171-4D39-8BCD-A835674795F1}" type="pres">
       <dgm:prSet presAssocID="{B70532A7-D3DA-4B84-B3F6-1A2B4861FC82}" presName="conn2-1" presStyleLbl="parChTrans1D3" presStyleIdx="3" presStyleCnt="6"/>
       <dgm:spPr/>
-      <dgm:t>
-        <a:bodyPr/>
-        <a:lstStyle/>
-        <a:p>
-          <a:endParaRPr lang="en-US"/>
-        </a:p>
-      </dgm:t>
     </dgm:pt>
     <dgm:pt modelId="{5B52B8B1-5A7E-47DC-BFAF-F4C44426EF47}" type="pres">
       <dgm:prSet presAssocID="{B70532A7-D3DA-4B84-B3F6-1A2B4861FC82}" presName="connTx" presStyleLbl="parChTrans1D3" presStyleIdx="3" presStyleCnt="6"/>
       <dgm:spPr/>
-      <dgm:t>
-        <a:bodyPr/>
-        <a:lstStyle/>
-        <a:p>
-          <a:endParaRPr lang="en-US"/>
-        </a:p>
-      </dgm:t>
     </dgm:pt>
     <dgm:pt modelId="{9501ABE0-7D23-49A4-8799-651C2C2C8E56}" type="pres">
       <dgm:prSet presAssocID="{A09C861D-2DAD-4964-84B8-895DB96D41E1}" presName="root2" presStyleCnt="0"/>
@@ -3032,13 +2892,6 @@
         </dgm:presLayoutVars>
       </dgm:prSet>
       <dgm:spPr/>
-      <dgm:t>
-        <a:bodyPr/>
-        <a:lstStyle/>
-        <a:p>
-          <a:endParaRPr lang="en-US"/>
-        </a:p>
-      </dgm:t>
     </dgm:pt>
     <dgm:pt modelId="{32D9AA0C-B29A-4CDD-BC13-44F570C7D123}" type="pres">
       <dgm:prSet presAssocID="{A09C861D-2DAD-4964-84B8-895DB96D41E1}" presName="level3hierChild" presStyleCnt="0"/>
@@ -3047,24 +2900,10 @@
     <dgm:pt modelId="{4D73C71E-89F8-46D7-ABCD-94CC477E1629}" type="pres">
       <dgm:prSet presAssocID="{FEDD39BA-6E39-47D0-8586-07F39CC8648A}" presName="conn2-1" presStyleLbl="parChTrans1D3" presStyleIdx="4" presStyleCnt="6"/>
       <dgm:spPr/>
-      <dgm:t>
-        <a:bodyPr/>
-        <a:lstStyle/>
-        <a:p>
-          <a:endParaRPr lang="en-US"/>
-        </a:p>
-      </dgm:t>
     </dgm:pt>
     <dgm:pt modelId="{031D1B23-0E26-4678-BE6A-437811C2DF66}" type="pres">
       <dgm:prSet presAssocID="{FEDD39BA-6E39-47D0-8586-07F39CC8648A}" presName="connTx" presStyleLbl="parChTrans1D3" presStyleIdx="4" presStyleCnt="6"/>
       <dgm:spPr/>
-      <dgm:t>
-        <a:bodyPr/>
-        <a:lstStyle/>
-        <a:p>
-          <a:endParaRPr lang="en-US"/>
-        </a:p>
-      </dgm:t>
     </dgm:pt>
     <dgm:pt modelId="{54A643DF-6179-4C93-8A7A-0DD209DD08D7}" type="pres">
       <dgm:prSet presAssocID="{2AA71D22-D60D-4322-B69D-1EBB711EFDD8}" presName="root2" presStyleCnt="0"/>
@@ -3077,13 +2916,6 @@
         </dgm:presLayoutVars>
       </dgm:prSet>
       <dgm:spPr/>
-      <dgm:t>
-        <a:bodyPr/>
-        <a:lstStyle/>
-        <a:p>
-          <a:endParaRPr lang="en-US"/>
-        </a:p>
-      </dgm:t>
     </dgm:pt>
     <dgm:pt modelId="{026ADC69-F3F6-473F-9715-C26D88688F3B}" type="pres">
       <dgm:prSet presAssocID="{2AA71D22-D60D-4322-B69D-1EBB711EFDD8}" presName="level3hierChild" presStyleCnt="0"/>
@@ -3092,24 +2924,10 @@
     <dgm:pt modelId="{58F4492D-8348-40AC-AEC6-55C7C3535C7C}" type="pres">
       <dgm:prSet presAssocID="{38E3F61A-3AE0-4155-B92C-9E8FDC31F5E1}" presName="conn2-1" presStyleLbl="parChTrans1D3" presStyleIdx="5" presStyleCnt="6"/>
       <dgm:spPr/>
-      <dgm:t>
-        <a:bodyPr/>
-        <a:lstStyle/>
-        <a:p>
-          <a:endParaRPr lang="en-US"/>
-        </a:p>
-      </dgm:t>
     </dgm:pt>
     <dgm:pt modelId="{9B1C92DF-85F9-4E10-9A54-D70B27BED890}" type="pres">
       <dgm:prSet presAssocID="{38E3F61A-3AE0-4155-B92C-9E8FDC31F5E1}" presName="connTx" presStyleLbl="parChTrans1D3" presStyleIdx="5" presStyleCnt="6"/>
       <dgm:spPr/>
-      <dgm:t>
-        <a:bodyPr/>
-        <a:lstStyle/>
-        <a:p>
-          <a:endParaRPr lang="en-US"/>
-        </a:p>
-      </dgm:t>
     </dgm:pt>
     <dgm:pt modelId="{2CDA1DCB-B9F9-4A50-988C-DD08A9CE3EC9}" type="pres">
       <dgm:prSet presAssocID="{993E109E-C8C8-46D8-B666-173B14BC2FD7}" presName="root2" presStyleCnt="0"/>
@@ -3122,13 +2940,6 @@
         </dgm:presLayoutVars>
       </dgm:prSet>
       <dgm:spPr/>
-      <dgm:t>
-        <a:bodyPr/>
-        <a:lstStyle/>
-        <a:p>
-          <a:endParaRPr lang="en-US"/>
-        </a:p>
-      </dgm:t>
     </dgm:pt>
     <dgm:pt modelId="{1F504D06-2833-4921-BF41-19F5946FA07C}" type="pres">
       <dgm:prSet presAssocID="{993E109E-C8C8-46D8-B666-173B14BC2FD7}" presName="level3hierChild" presStyleCnt="0"/>
@@ -3247,10 +3058,9 @@
         <a:lstStyle/>
         <a:p>
           <a:r>
-            <a:rPr lang="en-US" dirty="0" smtClean="0"/>
+            <a:rPr lang="en-US" dirty="0"/>
             <a:t>my-project</a:t>
           </a:r>
-          <a:endParaRPr lang="en-US" dirty="0"/>
         </a:p>
       </dgm:t>
     </dgm:pt>
@@ -3284,10 +3094,9 @@
         <a:lstStyle/>
         <a:p>
           <a:r>
-            <a:rPr lang="en-US" dirty="0" smtClean="0"/>
+            <a:rPr lang="en-US" dirty="0"/>
             <a:t>docs</a:t>
           </a:r>
-          <a:endParaRPr lang="en-US" dirty="0"/>
         </a:p>
       </dgm:t>
     </dgm:pt>
@@ -3321,10 +3130,9 @@
         <a:lstStyle/>
         <a:p>
           <a:r>
-            <a:rPr lang="en-US" dirty="0" smtClean="0"/>
+            <a:rPr lang="en-US" dirty="0"/>
             <a:t>manual.docx</a:t>
           </a:r>
-          <a:endParaRPr lang="en-US" dirty="0"/>
         </a:p>
       </dgm:t>
     </dgm:pt>
@@ -3358,10 +3166,9 @@
         <a:lstStyle/>
         <a:p>
           <a:r>
-            <a:rPr lang="en-US" dirty="0" smtClean="0"/>
+            <a:rPr lang="en-US" dirty="0"/>
             <a:t>user_docs.docx</a:t>
           </a:r>
-          <a:endParaRPr lang="en-US" dirty="0"/>
         </a:p>
       </dgm:t>
     </dgm:pt>
@@ -3395,7 +3202,7 @@
         <a:lstStyle/>
         <a:p>
           <a:r>
-            <a:rPr lang="en-US" dirty="0" err="1" smtClean="0"/>
+            <a:rPr lang="en-US" dirty="0" err="1"/>
             <a:t>src</a:t>
           </a:r>
           <a:endParaRPr lang="en-US" dirty="0"/>
@@ -3432,7 +3239,7 @@
         <a:lstStyle/>
         <a:p>
           <a:r>
-            <a:rPr lang="en-US" dirty="0" err="1" smtClean="0"/>
+            <a:rPr lang="en-US" dirty="0" err="1"/>
             <a:t>main.rkt</a:t>
           </a:r>
           <a:endParaRPr lang="en-US" dirty="0"/>
@@ -3469,10 +3276,9 @@
         <a:lstStyle/>
         <a:p>
           <a:r>
-            <a:rPr lang="en-US" dirty="0" smtClean="0"/>
+            <a:rPr lang="en-US" dirty="0"/>
             <a:t>module1.rkt</a:t>
           </a:r>
-          <a:endParaRPr lang="en-US" dirty="0"/>
         </a:p>
       </dgm:t>
     </dgm:pt>
@@ -3506,10 +3312,9 @@
         <a:lstStyle/>
         <a:p>
           <a:r>
-            <a:rPr lang="en-US" dirty="0" smtClean="0"/>
+            <a:rPr lang="en-US" dirty="0"/>
             <a:t>module2.rkt</a:t>
           </a:r>
-          <a:endParaRPr lang="en-US" dirty="0"/>
         </a:p>
       </dgm:t>
     </dgm:pt>
@@ -3543,10 +3348,9 @@
         <a:lstStyle/>
         <a:p>
           <a:r>
-            <a:rPr lang="en-US" dirty="0" smtClean="0"/>
+            <a:rPr lang="en-US" dirty="0"/>
             <a:t>module3.rkt</a:t>
           </a:r>
-          <a:endParaRPr lang="en-US" dirty="0"/>
         </a:p>
       </dgm:t>
     </dgm:pt>
@@ -3583,13 +3387,6 @@
         </dgm:presLayoutVars>
       </dgm:prSet>
       <dgm:spPr/>
-      <dgm:t>
-        <a:bodyPr/>
-        <a:lstStyle/>
-        <a:p>
-          <a:endParaRPr lang="en-US"/>
-        </a:p>
-      </dgm:t>
     </dgm:pt>
     <dgm:pt modelId="{64CF4588-342D-431F-BAAB-0FED7C7B9B22}" type="pres">
       <dgm:prSet presAssocID="{3B05B665-67A3-49B9-8B39-9C1EE857274C}" presName="root1" presStyleCnt="0"/>
@@ -3602,13 +3399,6 @@
         </dgm:presLayoutVars>
       </dgm:prSet>
       <dgm:spPr/>
-      <dgm:t>
-        <a:bodyPr/>
-        <a:lstStyle/>
-        <a:p>
-          <a:endParaRPr lang="en-US"/>
-        </a:p>
-      </dgm:t>
     </dgm:pt>
     <dgm:pt modelId="{8F76A44D-3E95-4BEE-A6A2-B19DE39C4CC8}" type="pres">
       <dgm:prSet presAssocID="{3B05B665-67A3-49B9-8B39-9C1EE857274C}" presName="level2hierChild" presStyleCnt="0"/>
@@ -3617,24 +3407,10 @@
     <dgm:pt modelId="{27E9DFBA-38D9-4890-81CD-E6DD6F1BD76C}" type="pres">
       <dgm:prSet presAssocID="{949292E5-5D9F-4BED-BBD5-D5D43417B63B}" presName="conn2-1" presStyleLbl="parChTrans1D2" presStyleIdx="0" presStyleCnt="2"/>
       <dgm:spPr/>
-      <dgm:t>
-        <a:bodyPr/>
-        <a:lstStyle/>
-        <a:p>
-          <a:endParaRPr lang="en-US"/>
-        </a:p>
-      </dgm:t>
     </dgm:pt>
     <dgm:pt modelId="{CBB3C906-6C8E-43D0-A349-5CBA1BD5A1B2}" type="pres">
       <dgm:prSet presAssocID="{949292E5-5D9F-4BED-BBD5-D5D43417B63B}" presName="connTx" presStyleLbl="parChTrans1D2" presStyleIdx="0" presStyleCnt="2"/>
       <dgm:spPr/>
-      <dgm:t>
-        <a:bodyPr/>
-        <a:lstStyle/>
-        <a:p>
-          <a:endParaRPr lang="en-US"/>
-        </a:p>
-      </dgm:t>
     </dgm:pt>
     <dgm:pt modelId="{16C6700E-9EBB-48A6-AFAB-3DD87471C1C2}" type="pres">
       <dgm:prSet presAssocID="{003EA6EE-58E5-40BF-9EA2-140291096720}" presName="root2" presStyleCnt="0"/>
@@ -3647,13 +3423,6 @@
         </dgm:presLayoutVars>
       </dgm:prSet>
       <dgm:spPr/>
-      <dgm:t>
-        <a:bodyPr/>
-        <a:lstStyle/>
-        <a:p>
-          <a:endParaRPr lang="en-US"/>
-        </a:p>
-      </dgm:t>
     </dgm:pt>
     <dgm:pt modelId="{F1DFB375-DAC6-4FF8-91DE-BC0637159726}" type="pres">
       <dgm:prSet presAssocID="{003EA6EE-58E5-40BF-9EA2-140291096720}" presName="level3hierChild" presStyleCnt="0"/>
@@ -3662,24 +3431,10 @@
     <dgm:pt modelId="{22C8D88C-9200-449A-95CA-C6C951FF9EFA}" type="pres">
       <dgm:prSet presAssocID="{432DCC30-3D30-4766-AE5A-DDA1E8E1C694}" presName="conn2-1" presStyleLbl="parChTrans1D3" presStyleIdx="0" presStyleCnt="6"/>
       <dgm:spPr/>
-      <dgm:t>
-        <a:bodyPr/>
-        <a:lstStyle/>
-        <a:p>
-          <a:endParaRPr lang="en-US"/>
-        </a:p>
-      </dgm:t>
     </dgm:pt>
     <dgm:pt modelId="{D7C91FB9-804C-419F-A840-60C1222CFEF0}" type="pres">
       <dgm:prSet presAssocID="{432DCC30-3D30-4766-AE5A-DDA1E8E1C694}" presName="connTx" presStyleLbl="parChTrans1D3" presStyleIdx="0" presStyleCnt="6"/>
       <dgm:spPr/>
-      <dgm:t>
-        <a:bodyPr/>
-        <a:lstStyle/>
-        <a:p>
-          <a:endParaRPr lang="en-US"/>
-        </a:p>
-      </dgm:t>
     </dgm:pt>
     <dgm:pt modelId="{6F13C50F-5A4A-42FF-8D18-6257C655505C}" type="pres">
       <dgm:prSet presAssocID="{0143ECBF-D013-4B67-835C-463B22DE9D12}" presName="root2" presStyleCnt="0"/>
@@ -3692,13 +3447,6 @@
         </dgm:presLayoutVars>
       </dgm:prSet>
       <dgm:spPr/>
-      <dgm:t>
-        <a:bodyPr/>
-        <a:lstStyle/>
-        <a:p>
-          <a:endParaRPr lang="en-US"/>
-        </a:p>
-      </dgm:t>
     </dgm:pt>
     <dgm:pt modelId="{230A0D65-0855-402C-9DCF-6B08869A5139}" type="pres">
       <dgm:prSet presAssocID="{0143ECBF-D013-4B67-835C-463B22DE9D12}" presName="level3hierChild" presStyleCnt="0"/>
@@ -3707,24 +3455,10 @@
     <dgm:pt modelId="{DF8ACA11-A784-4636-BE9F-ADD52C706CBC}" type="pres">
       <dgm:prSet presAssocID="{BE7A866F-FCC5-436D-A2E0-A8A6DF76F8EB}" presName="conn2-1" presStyleLbl="parChTrans1D3" presStyleIdx="1" presStyleCnt="6"/>
       <dgm:spPr/>
-      <dgm:t>
-        <a:bodyPr/>
-        <a:lstStyle/>
-        <a:p>
-          <a:endParaRPr lang="en-US"/>
-        </a:p>
-      </dgm:t>
     </dgm:pt>
     <dgm:pt modelId="{4E231741-F076-452D-97E4-5E3BC1C34C63}" type="pres">
       <dgm:prSet presAssocID="{BE7A866F-FCC5-436D-A2E0-A8A6DF76F8EB}" presName="connTx" presStyleLbl="parChTrans1D3" presStyleIdx="1" presStyleCnt="6"/>
       <dgm:spPr/>
-      <dgm:t>
-        <a:bodyPr/>
-        <a:lstStyle/>
-        <a:p>
-          <a:endParaRPr lang="en-US"/>
-        </a:p>
-      </dgm:t>
     </dgm:pt>
     <dgm:pt modelId="{9101B551-1B1D-4A77-A019-BBEE43D3A318}" type="pres">
       <dgm:prSet presAssocID="{B134233E-B436-4370-8867-923B23EB229F}" presName="root2" presStyleCnt="0"/>
@@ -3737,13 +3471,6 @@
         </dgm:presLayoutVars>
       </dgm:prSet>
       <dgm:spPr/>
-      <dgm:t>
-        <a:bodyPr/>
-        <a:lstStyle/>
-        <a:p>
-          <a:endParaRPr lang="en-US"/>
-        </a:p>
-      </dgm:t>
     </dgm:pt>
     <dgm:pt modelId="{F811D60C-AF2A-4807-93C3-7732DE610F21}" type="pres">
       <dgm:prSet presAssocID="{B134233E-B436-4370-8867-923B23EB229F}" presName="level3hierChild" presStyleCnt="0"/>
@@ -3752,24 +3479,10 @@
     <dgm:pt modelId="{37DFA971-3BDD-4614-B3F4-FCCCA928E801}" type="pres">
       <dgm:prSet presAssocID="{0969A4AF-FC06-4FD3-8A4B-F1026C3F433B}" presName="conn2-1" presStyleLbl="parChTrans1D2" presStyleIdx="1" presStyleCnt="2"/>
       <dgm:spPr/>
-      <dgm:t>
-        <a:bodyPr/>
-        <a:lstStyle/>
-        <a:p>
-          <a:endParaRPr lang="en-US"/>
-        </a:p>
-      </dgm:t>
     </dgm:pt>
     <dgm:pt modelId="{2ED7A92A-530E-424D-81D7-0ABA1FBF8E80}" type="pres">
       <dgm:prSet presAssocID="{0969A4AF-FC06-4FD3-8A4B-F1026C3F433B}" presName="connTx" presStyleLbl="parChTrans1D2" presStyleIdx="1" presStyleCnt="2"/>
       <dgm:spPr/>
-      <dgm:t>
-        <a:bodyPr/>
-        <a:lstStyle/>
-        <a:p>
-          <a:endParaRPr lang="en-US"/>
-        </a:p>
-      </dgm:t>
     </dgm:pt>
     <dgm:pt modelId="{E5225CE1-2F09-4369-9607-0D669EBA8068}" type="pres">
       <dgm:prSet presAssocID="{191770CA-EAB0-484A-8FFB-8F7DA062CE62}" presName="root2" presStyleCnt="0"/>
@@ -3782,13 +3495,6 @@
         </dgm:presLayoutVars>
       </dgm:prSet>
       <dgm:spPr/>
-      <dgm:t>
-        <a:bodyPr/>
-        <a:lstStyle/>
-        <a:p>
-          <a:endParaRPr lang="en-US"/>
-        </a:p>
-      </dgm:t>
     </dgm:pt>
     <dgm:pt modelId="{BFED8BB7-D33D-472F-9935-70CC83B2F037}" type="pres">
       <dgm:prSet presAssocID="{191770CA-EAB0-484A-8FFB-8F7DA062CE62}" presName="level3hierChild" presStyleCnt="0"/>
@@ -3797,24 +3503,10 @@
     <dgm:pt modelId="{500CC38C-370D-4E38-962F-8E689C001DB3}" type="pres">
       <dgm:prSet presAssocID="{B2BE598A-CF53-4EAD-958F-AC3942F42736}" presName="conn2-1" presStyleLbl="parChTrans1D3" presStyleIdx="2" presStyleCnt="6"/>
       <dgm:spPr/>
-      <dgm:t>
-        <a:bodyPr/>
-        <a:lstStyle/>
-        <a:p>
-          <a:endParaRPr lang="en-US"/>
-        </a:p>
-      </dgm:t>
     </dgm:pt>
     <dgm:pt modelId="{85D74912-EC50-4B9F-B5C0-FAED0F6C91EF}" type="pres">
       <dgm:prSet presAssocID="{B2BE598A-CF53-4EAD-958F-AC3942F42736}" presName="connTx" presStyleLbl="parChTrans1D3" presStyleIdx="2" presStyleCnt="6"/>
       <dgm:spPr/>
-      <dgm:t>
-        <a:bodyPr/>
-        <a:lstStyle/>
-        <a:p>
-          <a:endParaRPr lang="en-US"/>
-        </a:p>
-      </dgm:t>
     </dgm:pt>
     <dgm:pt modelId="{00CEF6A7-71FB-4F30-8D68-E51F32B89E83}" type="pres">
       <dgm:prSet presAssocID="{2AD198EF-5E35-4DCE-8157-F6F2E2783276}" presName="root2" presStyleCnt="0"/>
@@ -3827,13 +3519,6 @@
         </dgm:presLayoutVars>
       </dgm:prSet>
       <dgm:spPr/>
-      <dgm:t>
-        <a:bodyPr/>
-        <a:lstStyle/>
-        <a:p>
-          <a:endParaRPr lang="en-US"/>
-        </a:p>
-      </dgm:t>
     </dgm:pt>
     <dgm:pt modelId="{80B51281-666C-4AB5-84E9-437113A56E9E}" type="pres">
       <dgm:prSet presAssocID="{2AD198EF-5E35-4DCE-8157-F6F2E2783276}" presName="level3hierChild" presStyleCnt="0"/>
@@ -3842,24 +3527,10 @@
     <dgm:pt modelId="{5B061652-2171-4D39-8BCD-A835674795F1}" type="pres">
       <dgm:prSet presAssocID="{B70532A7-D3DA-4B84-B3F6-1A2B4861FC82}" presName="conn2-1" presStyleLbl="parChTrans1D3" presStyleIdx="3" presStyleCnt="6"/>
       <dgm:spPr/>
-      <dgm:t>
-        <a:bodyPr/>
-        <a:lstStyle/>
-        <a:p>
-          <a:endParaRPr lang="en-US"/>
-        </a:p>
-      </dgm:t>
     </dgm:pt>
     <dgm:pt modelId="{5B52B8B1-5A7E-47DC-BFAF-F4C44426EF47}" type="pres">
       <dgm:prSet presAssocID="{B70532A7-D3DA-4B84-B3F6-1A2B4861FC82}" presName="connTx" presStyleLbl="parChTrans1D3" presStyleIdx="3" presStyleCnt="6"/>
       <dgm:spPr/>
-      <dgm:t>
-        <a:bodyPr/>
-        <a:lstStyle/>
-        <a:p>
-          <a:endParaRPr lang="en-US"/>
-        </a:p>
-      </dgm:t>
     </dgm:pt>
     <dgm:pt modelId="{9501ABE0-7D23-49A4-8799-651C2C2C8E56}" type="pres">
       <dgm:prSet presAssocID="{A09C861D-2DAD-4964-84B8-895DB96D41E1}" presName="root2" presStyleCnt="0"/>
@@ -3872,13 +3543,6 @@
         </dgm:presLayoutVars>
       </dgm:prSet>
       <dgm:spPr/>
-      <dgm:t>
-        <a:bodyPr/>
-        <a:lstStyle/>
-        <a:p>
-          <a:endParaRPr lang="en-US"/>
-        </a:p>
-      </dgm:t>
     </dgm:pt>
     <dgm:pt modelId="{32D9AA0C-B29A-4CDD-BC13-44F570C7D123}" type="pres">
       <dgm:prSet presAssocID="{A09C861D-2DAD-4964-84B8-895DB96D41E1}" presName="level3hierChild" presStyleCnt="0"/>
@@ -3887,24 +3551,10 @@
     <dgm:pt modelId="{4D73C71E-89F8-46D7-ABCD-94CC477E1629}" type="pres">
       <dgm:prSet presAssocID="{FEDD39BA-6E39-47D0-8586-07F39CC8648A}" presName="conn2-1" presStyleLbl="parChTrans1D3" presStyleIdx="4" presStyleCnt="6"/>
       <dgm:spPr/>
-      <dgm:t>
-        <a:bodyPr/>
-        <a:lstStyle/>
-        <a:p>
-          <a:endParaRPr lang="en-US"/>
-        </a:p>
-      </dgm:t>
     </dgm:pt>
     <dgm:pt modelId="{031D1B23-0E26-4678-BE6A-437811C2DF66}" type="pres">
       <dgm:prSet presAssocID="{FEDD39BA-6E39-47D0-8586-07F39CC8648A}" presName="connTx" presStyleLbl="parChTrans1D3" presStyleIdx="4" presStyleCnt="6"/>
       <dgm:spPr/>
-      <dgm:t>
-        <a:bodyPr/>
-        <a:lstStyle/>
-        <a:p>
-          <a:endParaRPr lang="en-US"/>
-        </a:p>
-      </dgm:t>
     </dgm:pt>
     <dgm:pt modelId="{54A643DF-6179-4C93-8A7A-0DD209DD08D7}" type="pres">
       <dgm:prSet presAssocID="{2AA71D22-D60D-4322-B69D-1EBB711EFDD8}" presName="root2" presStyleCnt="0"/>
@@ -3917,13 +3567,6 @@
         </dgm:presLayoutVars>
       </dgm:prSet>
       <dgm:spPr/>
-      <dgm:t>
-        <a:bodyPr/>
-        <a:lstStyle/>
-        <a:p>
-          <a:endParaRPr lang="en-US"/>
-        </a:p>
-      </dgm:t>
     </dgm:pt>
     <dgm:pt modelId="{026ADC69-F3F6-473F-9715-C26D88688F3B}" type="pres">
       <dgm:prSet presAssocID="{2AA71D22-D60D-4322-B69D-1EBB711EFDD8}" presName="level3hierChild" presStyleCnt="0"/>
@@ -3932,24 +3575,10 @@
     <dgm:pt modelId="{58F4492D-8348-40AC-AEC6-55C7C3535C7C}" type="pres">
       <dgm:prSet presAssocID="{38E3F61A-3AE0-4155-B92C-9E8FDC31F5E1}" presName="conn2-1" presStyleLbl="parChTrans1D3" presStyleIdx="5" presStyleCnt="6"/>
       <dgm:spPr/>
-      <dgm:t>
-        <a:bodyPr/>
-        <a:lstStyle/>
-        <a:p>
-          <a:endParaRPr lang="en-US"/>
-        </a:p>
-      </dgm:t>
     </dgm:pt>
     <dgm:pt modelId="{9B1C92DF-85F9-4E10-9A54-D70B27BED890}" type="pres">
       <dgm:prSet presAssocID="{38E3F61A-3AE0-4155-B92C-9E8FDC31F5E1}" presName="connTx" presStyleLbl="parChTrans1D3" presStyleIdx="5" presStyleCnt="6"/>
       <dgm:spPr/>
-      <dgm:t>
-        <a:bodyPr/>
-        <a:lstStyle/>
-        <a:p>
-          <a:endParaRPr lang="en-US"/>
-        </a:p>
-      </dgm:t>
     </dgm:pt>
     <dgm:pt modelId="{2CDA1DCB-B9F9-4A50-988C-DD08A9CE3EC9}" type="pres">
       <dgm:prSet presAssocID="{993E109E-C8C8-46D8-B666-173B14BC2FD7}" presName="root2" presStyleCnt="0"/>
@@ -3962,13 +3591,6 @@
         </dgm:presLayoutVars>
       </dgm:prSet>
       <dgm:spPr/>
-      <dgm:t>
-        <a:bodyPr/>
-        <a:lstStyle/>
-        <a:p>
-          <a:endParaRPr lang="en-US"/>
-        </a:p>
-      </dgm:t>
     </dgm:pt>
     <dgm:pt modelId="{1F504D06-2833-4921-BF41-19F5946FA07C}" type="pres">
       <dgm:prSet presAssocID="{993E109E-C8C8-46D8-B666-173B14BC2FD7}" presName="level3hierChild" presStyleCnt="0"/>
@@ -4087,10 +3709,9 @@
         <a:lstStyle/>
         <a:p>
           <a:r>
-            <a:rPr lang="en-US" dirty="0" smtClean="0"/>
+            <a:rPr lang="en-US" dirty="0"/>
             <a:t>my-project</a:t>
           </a:r>
-          <a:endParaRPr lang="en-US" dirty="0"/>
         </a:p>
       </dgm:t>
     </dgm:pt>
@@ -4124,10 +3745,9 @@
         <a:lstStyle/>
         <a:p>
           <a:r>
-            <a:rPr lang="en-US" dirty="0" smtClean="0"/>
+            <a:rPr lang="en-US" dirty="0"/>
             <a:t>docs</a:t>
           </a:r>
-          <a:endParaRPr lang="en-US" dirty="0"/>
         </a:p>
       </dgm:t>
     </dgm:pt>
@@ -4161,10 +3781,9 @@
         <a:lstStyle/>
         <a:p>
           <a:r>
-            <a:rPr lang="en-US" dirty="0" smtClean="0"/>
+            <a:rPr lang="en-US" dirty="0"/>
             <a:t>manual.docx</a:t>
           </a:r>
-          <a:endParaRPr lang="en-US" dirty="0"/>
         </a:p>
       </dgm:t>
     </dgm:pt>
@@ -4198,10 +3817,9 @@
         <a:lstStyle/>
         <a:p>
           <a:r>
-            <a:rPr lang="en-US" dirty="0" smtClean="0"/>
+            <a:rPr lang="en-US" dirty="0"/>
             <a:t>user_docs.docx</a:t>
           </a:r>
-          <a:endParaRPr lang="en-US" dirty="0"/>
         </a:p>
       </dgm:t>
     </dgm:pt>
@@ -4235,7 +3853,7 @@
         <a:lstStyle/>
         <a:p>
           <a:r>
-            <a:rPr lang="en-US" dirty="0" err="1" smtClean="0"/>
+            <a:rPr lang="en-US" dirty="0" err="1"/>
             <a:t>src</a:t>
           </a:r>
           <a:endParaRPr lang="en-US" dirty="0"/>
@@ -4272,7 +3890,7 @@
         <a:lstStyle/>
         <a:p>
           <a:r>
-            <a:rPr lang="en-US" dirty="0" err="1" smtClean="0"/>
+            <a:rPr lang="en-US" dirty="0" err="1"/>
             <a:t>main.rkt</a:t>
           </a:r>
           <a:endParaRPr lang="en-US" dirty="0"/>
@@ -4309,10 +3927,9 @@
         <a:lstStyle/>
         <a:p>
           <a:r>
-            <a:rPr lang="en-US" dirty="0" smtClean="0"/>
+            <a:rPr lang="en-US" dirty="0"/>
             <a:t>module1.rkt</a:t>
           </a:r>
-          <a:endParaRPr lang="en-US" dirty="0"/>
         </a:p>
       </dgm:t>
     </dgm:pt>
@@ -4346,10 +3963,9 @@
         <a:lstStyle/>
         <a:p>
           <a:r>
-            <a:rPr lang="en-US" dirty="0" smtClean="0"/>
+            <a:rPr lang="en-US" dirty="0"/>
             <a:t>module2.rkt</a:t>
           </a:r>
-          <a:endParaRPr lang="en-US" dirty="0"/>
         </a:p>
       </dgm:t>
     </dgm:pt>
@@ -4383,10 +3999,9 @@
         <a:lstStyle/>
         <a:p>
           <a:r>
-            <a:rPr lang="en-US" dirty="0" smtClean="0"/>
+            <a:rPr lang="en-US" dirty="0"/>
             <a:t>module3.rkt</a:t>
           </a:r>
-          <a:endParaRPr lang="en-US" dirty="0"/>
         </a:p>
       </dgm:t>
     </dgm:pt>
@@ -4423,13 +4038,6 @@
         </dgm:presLayoutVars>
       </dgm:prSet>
       <dgm:spPr/>
-      <dgm:t>
-        <a:bodyPr/>
-        <a:lstStyle/>
-        <a:p>
-          <a:endParaRPr lang="en-US"/>
-        </a:p>
-      </dgm:t>
     </dgm:pt>
     <dgm:pt modelId="{64CF4588-342D-431F-BAAB-0FED7C7B9B22}" type="pres">
       <dgm:prSet presAssocID="{3B05B665-67A3-49B9-8B39-9C1EE857274C}" presName="root1" presStyleCnt="0"/>
@@ -4442,13 +4050,6 @@
         </dgm:presLayoutVars>
       </dgm:prSet>
       <dgm:spPr/>
-      <dgm:t>
-        <a:bodyPr/>
-        <a:lstStyle/>
-        <a:p>
-          <a:endParaRPr lang="en-US"/>
-        </a:p>
-      </dgm:t>
     </dgm:pt>
     <dgm:pt modelId="{8F76A44D-3E95-4BEE-A6A2-B19DE39C4CC8}" type="pres">
       <dgm:prSet presAssocID="{3B05B665-67A3-49B9-8B39-9C1EE857274C}" presName="level2hierChild" presStyleCnt="0"/>
@@ -4457,24 +4058,10 @@
     <dgm:pt modelId="{27E9DFBA-38D9-4890-81CD-E6DD6F1BD76C}" type="pres">
       <dgm:prSet presAssocID="{949292E5-5D9F-4BED-BBD5-D5D43417B63B}" presName="conn2-1" presStyleLbl="parChTrans1D2" presStyleIdx="0" presStyleCnt="2"/>
       <dgm:spPr/>
-      <dgm:t>
-        <a:bodyPr/>
-        <a:lstStyle/>
-        <a:p>
-          <a:endParaRPr lang="en-US"/>
-        </a:p>
-      </dgm:t>
     </dgm:pt>
     <dgm:pt modelId="{CBB3C906-6C8E-43D0-A349-5CBA1BD5A1B2}" type="pres">
       <dgm:prSet presAssocID="{949292E5-5D9F-4BED-BBD5-D5D43417B63B}" presName="connTx" presStyleLbl="parChTrans1D2" presStyleIdx="0" presStyleCnt="2"/>
       <dgm:spPr/>
-      <dgm:t>
-        <a:bodyPr/>
-        <a:lstStyle/>
-        <a:p>
-          <a:endParaRPr lang="en-US"/>
-        </a:p>
-      </dgm:t>
     </dgm:pt>
     <dgm:pt modelId="{16C6700E-9EBB-48A6-AFAB-3DD87471C1C2}" type="pres">
       <dgm:prSet presAssocID="{003EA6EE-58E5-40BF-9EA2-140291096720}" presName="root2" presStyleCnt="0"/>
@@ -4487,13 +4074,6 @@
         </dgm:presLayoutVars>
       </dgm:prSet>
       <dgm:spPr/>
-      <dgm:t>
-        <a:bodyPr/>
-        <a:lstStyle/>
-        <a:p>
-          <a:endParaRPr lang="en-US"/>
-        </a:p>
-      </dgm:t>
     </dgm:pt>
     <dgm:pt modelId="{F1DFB375-DAC6-4FF8-91DE-BC0637159726}" type="pres">
       <dgm:prSet presAssocID="{003EA6EE-58E5-40BF-9EA2-140291096720}" presName="level3hierChild" presStyleCnt="0"/>
@@ -4502,24 +4082,10 @@
     <dgm:pt modelId="{22C8D88C-9200-449A-95CA-C6C951FF9EFA}" type="pres">
       <dgm:prSet presAssocID="{432DCC30-3D30-4766-AE5A-DDA1E8E1C694}" presName="conn2-1" presStyleLbl="parChTrans1D3" presStyleIdx="0" presStyleCnt="6"/>
       <dgm:spPr/>
-      <dgm:t>
-        <a:bodyPr/>
-        <a:lstStyle/>
-        <a:p>
-          <a:endParaRPr lang="en-US"/>
-        </a:p>
-      </dgm:t>
     </dgm:pt>
     <dgm:pt modelId="{D7C91FB9-804C-419F-A840-60C1222CFEF0}" type="pres">
       <dgm:prSet presAssocID="{432DCC30-3D30-4766-AE5A-DDA1E8E1C694}" presName="connTx" presStyleLbl="parChTrans1D3" presStyleIdx="0" presStyleCnt="6"/>
       <dgm:spPr/>
-      <dgm:t>
-        <a:bodyPr/>
-        <a:lstStyle/>
-        <a:p>
-          <a:endParaRPr lang="en-US"/>
-        </a:p>
-      </dgm:t>
     </dgm:pt>
     <dgm:pt modelId="{6F13C50F-5A4A-42FF-8D18-6257C655505C}" type="pres">
       <dgm:prSet presAssocID="{0143ECBF-D013-4B67-835C-463B22DE9D12}" presName="root2" presStyleCnt="0"/>
@@ -4532,13 +4098,6 @@
         </dgm:presLayoutVars>
       </dgm:prSet>
       <dgm:spPr/>
-      <dgm:t>
-        <a:bodyPr/>
-        <a:lstStyle/>
-        <a:p>
-          <a:endParaRPr lang="en-US"/>
-        </a:p>
-      </dgm:t>
     </dgm:pt>
     <dgm:pt modelId="{230A0D65-0855-402C-9DCF-6B08869A5139}" type="pres">
       <dgm:prSet presAssocID="{0143ECBF-D013-4B67-835C-463B22DE9D12}" presName="level3hierChild" presStyleCnt="0"/>
@@ -4547,24 +4106,10 @@
     <dgm:pt modelId="{DF8ACA11-A784-4636-BE9F-ADD52C706CBC}" type="pres">
       <dgm:prSet presAssocID="{BE7A866F-FCC5-436D-A2E0-A8A6DF76F8EB}" presName="conn2-1" presStyleLbl="parChTrans1D3" presStyleIdx="1" presStyleCnt="6"/>
       <dgm:spPr/>
-      <dgm:t>
-        <a:bodyPr/>
-        <a:lstStyle/>
-        <a:p>
-          <a:endParaRPr lang="en-US"/>
-        </a:p>
-      </dgm:t>
     </dgm:pt>
     <dgm:pt modelId="{4E231741-F076-452D-97E4-5E3BC1C34C63}" type="pres">
       <dgm:prSet presAssocID="{BE7A866F-FCC5-436D-A2E0-A8A6DF76F8EB}" presName="connTx" presStyleLbl="parChTrans1D3" presStyleIdx="1" presStyleCnt="6"/>
       <dgm:spPr/>
-      <dgm:t>
-        <a:bodyPr/>
-        <a:lstStyle/>
-        <a:p>
-          <a:endParaRPr lang="en-US"/>
-        </a:p>
-      </dgm:t>
     </dgm:pt>
     <dgm:pt modelId="{9101B551-1B1D-4A77-A019-BBEE43D3A318}" type="pres">
       <dgm:prSet presAssocID="{B134233E-B436-4370-8867-923B23EB229F}" presName="root2" presStyleCnt="0"/>
@@ -4577,13 +4122,6 @@
         </dgm:presLayoutVars>
       </dgm:prSet>
       <dgm:spPr/>
-      <dgm:t>
-        <a:bodyPr/>
-        <a:lstStyle/>
-        <a:p>
-          <a:endParaRPr lang="en-US"/>
-        </a:p>
-      </dgm:t>
     </dgm:pt>
     <dgm:pt modelId="{F811D60C-AF2A-4807-93C3-7732DE610F21}" type="pres">
       <dgm:prSet presAssocID="{B134233E-B436-4370-8867-923B23EB229F}" presName="level3hierChild" presStyleCnt="0"/>
@@ -4592,24 +4130,10 @@
     <dgm:pt modelId="{37DFA971-3BDD-4614-B3F4-FCCCA928E801}" type="pres">
       <dgm:prSet presAssocID="{0969A4AF-FC06-4FD3-8A4B-F1026C3F433B}" presName="conn2-1" presStyleLbl="parChTrans1D2" presStyleIdx="1" presStyleCnt="2"/>
       <dgm:spPr/>
-      <dgm:t>
-        <a:bodyPr/>
-        <a:lstStyle/>
-        <a:p>
-          <a:endParaRPr lang="en-US"/>
-        </a:p>
-      </dgm:t>
     </dgm:pt>
     <dgm:pt modelId="{2ED7A92A-530E-424D-81D7-0ABA1FBF8E80}" type="pres">
       <dgm:prSet presAssocID="{0969A4AF-FC06-4FD3-8A4B-F1026C3F433B}" presName="connTx" presStyleLbl="parChTrans1D2" presStyleIdx="1" presStyleCnt="2"/>
       <dgm:spPr/>
-      <dgm:t>
-        <a:bodyPr/>
-        <a:lstStyle/>
-        <a:p>
-          <a:endParaRPr lang="en-US"/>
-        </a:p>
-      </dgm:t>
     </dgm:pt>
     <dgm:pt modelId="{E5225CE1-2F09-4369-9607-0D669EBA8068}" type="pres">
       <dgm:prSet presAssocID="{191770CA-EAB0-484A-8FFB-8F7DA062CE62}" presName="root2" presStyleCnt="0"/>
@@ -4622,13 +4146,6 @@
         </dgm:presLayoutVars>
       </dgm:prSet>
       <dgm:spPr/>
-      <dgm:t>
-        <a:bodyPr/>
-        <a:lstStyle/>
-        <a:p>
-          <a:endParaRPr lang="en-US"/>
-        </a:p>
-      </dgm:t>
     </dgm:pt>
     <dgm:pt modelId="{BFED8BB7-D33D-472F-9935-70CC83B2F037}" type="pres">
       <dgm:prSet presAssocID="{191770CA-EAB0-484A-8FFB-8F7DA062CE62}" presName="level3hierChild" presStyleCnt="0"/>
@@ -4637,24 +4154,10 @@
     <dgm:pt modelId="{500CC38C-370D-4E38-962F-8E689C001DB3}" type="pres">
       <dgm:prSet presAssocID="{B2BE598A-CF53-4EAD-958F-AC3942F42736}" presName="conn2-1" presStyleLbl="parChTrans1D3" presStyleIdx="2" presStyleCnt="6"/>
       <dgm:spPr/>
-      <dgm:t>
-        <a:bodyPr/>
-        <a:lstStyle/>
-        <a:p>
-          <a:endParaRPr lang="en-US"/>
-        </a:p>
-      </dgm:t>
     </dgm:pt>
     <dgm:pt modelId="{85D74912-EC50-4B9F-B5C0-FAED0F6C91EF}" type="pres">
       <dgm:prSet presAssocID="{B2BE598A-CF53-4EAD-958F-AC3942F42736}" presName="connTx" presStyleLbl="parChTrans1D3" presStyleIdx="2" presStyleCnt="6"/>
       <dgm:spPr/>
-      <dgm:t>
-        <a:bodyPr/>
-        <a:lstStyle/>
-        <a:p>
-          <a:endParaRPr lang="en-US"/>
-        </a:p>
-      </dgm:t>
     </dgm:pt>
     <dgm:pt modelId="{00CEF6A7-71FB-4F30-8D68-E51F32B89E83}" type="pres">
       <dgm:prSet presAssocID="{2AD198EF-5E35-4DCE-8157-F6F2E2783276}" presName="root2" presStyleCnt="0"/>
@@ -4667,13 +4170,6 @@
         </dgm:presLayoutVars>
       </dgm:prSet>
       <dgm:spPr/>
-      <dgm:t>
-        <a:bodyPr/>
-        <a:lstStyle/>
-        <a:p>
-          <a:endParaRPr lang="en-US"/>
-        </a:p>
-      </dgm:t>
     </dgm:pt>
     <dgm:pt modelId="{80B51281-666C-4AB5-84E9-437113A56E9E}" type="pres">
       <dgm:prSet presAssocID="{2AD198EF-5E35-4DCE-8157-F6F2E2783276}" presName="level3hierChild" presStyleCnt="0"/>
@@ -4682,24 +4178,10 @@
     <dgm:pt modelId="{5B061652-2171-4D39-8BCD-A835674795F1}" type="pres">
       <dgm:prSet presAssocID="{B70532A7-D3DA-4B84-B3F6-1A2B4861FC82}" presName="conn2-1" presStyleLbl="parChTrans1D3" presStyleIdx="3" presStyleCnt="6"/>
       <dgm:spPr/>
-      <dgm:t>
-        <a:bodyPr/>
-        <a:lstStyle/>
-        <a:p>
-          <a:endParaRPr lang="en-US"/>
-        </a:p>
-      </dgm:t>
     </dgm:pt>
     <dgm:pt modelId="{5B52B8B1-5A7E-47DC-BFAF-F4C44426EF47}" type="pres">
       <dgm:prSet presAssocID="{B70532A7-D3DA-4B84-B3F6-1A2B4861FC82}" presName="connTx" presStyleLbl="parChTrans1D3" presStyleIdx="3" presStyleCnt="6"/>
       <dgm:spPr/>
-      <dgm:t>
-        <a:bodyPr/>
-        <a:lstStyle/>
-        <a:p>
-          <a:endParaRPr lang="en-US"/>
-        </a:p>
-      </dgm:t>
     </dgm:pt>
     <dgm:pt modelId="{9501ABE0-7D23-49A4-8799-651C2C2C8E56}" type="pres">
       <dgm:prSet presAssocID="{A09C861D-2DAD-4964-84B8-895DB96D41E1}" presName="root2" presStyleCnt="0"/>
@@ -4712,13 +4194,6 @@
         </dgm:presLayoutVars>
       </dgm:prSet>
       <dgm:spPr/>
-      <dgm:t>
-        <a:bodyPr/>
-        <a:lstStyle/>
-        <a:p>
-          <a:endParaRPr lang="en-US"/>
-        </a:p>
-      </dgm:t>
     </dgm:pt>
     <dgm:pt modelId="{32D9AA0C-B29A-4CDD-BC13-44F570C7D123}" type="pres">
       <dgm:prSet presAssocID="{A09C861D-2DAD-4964-84B8-895DB96D41E1}" presName="level3hierChild" presStyleCnt="0"/>
@@ -4727,24 +4202,10 @@
     <dgm:pt modelId="{4D73C71E-89F8-46D7-ABCD-94CC477E1629}" type="pres">
       <dgm:prSet presAssocID="{FEDD39BA-6E39-47D0-8586-07F39CC8648A}" presName="conn2-1" presStyleLbl="parChTrans1D3" presStyleIdx="4" presStyleCnt="6"/>
       <dgm:spPr/>
-      <dgm:t>
-        <a:bodyPr/>
-        <a:lstStyle/>
-        <a:p>
-          <a:endParaRPr lang="en-US"/>
-        </a:p>
-      </dgm:t>
     </dgm:pt>
     <dgm:pt modelId="{031D1B23-0E26-4678-BE6A-437811C2DF66}" type="pres">
       <dgm:prSet presAssocID="{FEDD39BA-6E39-47D0-8586-07F39CC8648A}" presName="connTx" presStyleLbl="parChTrans1D3" presStyleIdx="4" presStyleCnt="6"/>
       <dgm:spPr/>
-      <dgm:t>
-        <a:bodyPr/>
-        <a:lstStyle/>
-        <a:p>
-          <a:endParaRPr lang="en-US"/>
-        </a:p>
-      </dgm:t>
     </dgm:pt>
     <dgm:pt modelId="{54A643DF-6179-4C93-8A7A-0DD209DD08D7}" type="pres">
       <dgm:prSet presAssocID="{2AA71D22-D60D-4322-B69D-1EBB711EFDD8}" presName="root2" presStyleCnt="0"/>
@@ -4757,13 +4218,6 @@
         </dgm:presLayoutVars>
       </dgm:prSet>
       <dgm:spPr/>
-      <dgm:t>
-        <a:bodyPr/>
-        <a:lstStyle/>
-        <a:p>
-          <a:endParaRPr lang="en-US"/>
-        </a:p>
-      </dgm:t>
     </dgm:pt>
     <dgm:pt modelId="{026ADC69-F3F6-473F-9715-C26D88688F3B}" type="pres">
       <dgm:prSet presAssocID="{2AA71D22-D60D-4322-B69D-1EBB711EFDD8}" presName="level3hierChild" presStyleCnt="0"/>
@@ -4772,24 +4226,10 @@
     <dgm:pt modelId="{58F4492D-8348-40AC-AEC6-55C7C3535C7C}" type="pres">
       <dgm:prSet presAssocID="{38E3F61A-3AE0-4155-B92C-9E8FDC31F5E1}" presName="conn2-1" presStyleLbl="parChTrans1D3" presStyleIdx="5" presStyleCnt="6"/>
       <dgm:spPr/>
-      <dgm:t>
-        <a:bodyPr/>
-        <a:lstStyle/>
-        <a:p>
-          <a:endParaRPr lang="en-US"/>
-        </a:p>
-      </dgm:t>
     </dgm:pt>
     <dgm:pt modelId="{9B1C92DF-85F9-4E10-9A54-D70B27BED890}" type="pres">
       <dgm:prSet presAssocID="{38E3F61A-3AE0-4155-B92C-9E8FDC31F5E1}" presName="connTx" presStyleLbl="parChTrans1D3" presStyleIdx="5" presStyleCnt="6"/>
       <dgm:spPr/>
-      <dgm:t>
-        <a:bodyPr/>
-        <a:lstStyle/>
-        <a:p>
-          <a:endParaRPr lang="en-US"/>
-        </a:p>
-      </dgm:t>
     </dgm:pt>
     <dgm:pt modelId="{2CDA1DCB-B9F9-4A50-988C-DD08A9CE3EC9}" type="pres">
       <dgm:prSet presAssocID="{993E109E-C8C8-46D8-B666-173B14BC2FD7}" presName="root2" presStyleCnt="0"/>
@@ -4802,13 +4242,6 @@
         </dgm:presLayoutVars>
       </dgm:prSet>
       <dgm:spPr/>
-      <dgm:t>
-        <a:bodyPr/>
-        <a:lstStyle/>
-        <a:p>
-          <a:endParaRPr lang="en-US"/>
-        </a:p>
-      </dgm:t>
     </dgm:pt>
     <dgm:pt modelId="{1F504D06-2833-4921-BF41-19F5946FA07C}" type="pres">
       <dgm:prSet presAssocID="{993E109E-C8C8-46D8-B666-173B14BC2FD7}" presName="level3hierChild" presStyleCnt="0"/>
@@ -4969,7 +4402,7 @@
         </a:bodyPr>
         <a:lstStyle/>
         <a:p>
-          <a:pPr lvl="0" algn="ctr" defTabSz="266700">
+          <a:pPr marL="0" lvl="0" indent="0" algn="ctr" defTabSz="266700">
             <a:lnSpc>
               <a:spcPct val="90000"/>
             </a:lnSpc>
@@ -4979,12 +4412,12 @@
             <a:spcAft>
               <a:spcPct val="35000"/>
             </a:spcAft>
+            <a:buNone/>
           </a:pPr>
           <a:r>
-            <a:rPr lang="en-US" sz="600" kern="1200" dirty="0" smtClean="0"/>
+            <a:rPr lang="en-US" sz="600" kern="1200" dirty="0"/>
             <a:t>my-project</a:t>
           </a:r>
-          <a:endParaRPr lang="en-US" sz="600" kern="1200" dirty="0"/>
         </a:p>
       </dsp:txBody>
       <dsp:txXfrm>
@@ -5052,7 +4485,7 @@
         </a:bodyPr>
         <a:lstStyle/>
         <a:p>
-          <a:pPr lvl="0" algn="ctr" defTabSz="222250">
+          <a:pPr marL="0" lvl="0" indent="0" algn="ctr" defTabSz="222250">
             <a:lnSpc>
               <a:spcPct val="90000"/>
             </a:lnSpc>
@@ -5062,6 +4495,7 @@
             <a:spcAft>
               <a:spcPct val="35000"/>
             </a:spcAft>
+            <a:buNone/>
           </a:pPr>
           <a:endParaRPr lang="en-US" sz="500" kern="1200"/>
         </a:p>
@@ -5127,7 +4561,7 @@
         </a:bodyPr>
         <a:lstStyle/>
         <a:p>
-          <a:pPr lvl="0" algn="ctr" defTabSz="266700">
+          <a:pPr marL="0" lvl="0" indent="0" algn="ctr" defTabSz="266700">
             <a:lnSpc>
               <a:spcPct val="90000"/>
             </a:lnSpc>
@@ -5137,12 +4571,12 @@
             <a:spcAft>
               <a:spcPct val="35000"/>
             </a:spcAft>
+            <a:buNone/>
           </a:pPr>
           <a:r>
-            <a:rPr lang="en-US" sz="600" kern="1200" dirty="0" smtClean="0"/>
+            <a:rPr lang="en-US" sz="600" kern="1200" dirty="0"/>
             <a:t>docs</a:t>
           </a:r>
-          <a:endParaRPr lang="en-US" sz="600" kern="1200" dirty="0"/>
         </a:p>
       </dsp:txBody>
       <dsp:txXfrm>
@@ -5210,7 +4644,7 @@
         </a:bodyPr>
         <a:lstStyle/>
         <a:p>
-          <a:pPr lvl="0" algn="ctr" defTabSz="222250">
+          <a:pPr marL="0" lvl="0" indent="0" algn="ctr" defTabSz="222250">
             <a:lnSpc>
               <a:spcPct val="90000"/>
             </a:lnSpc>
@@ -5220,6 +4654,7 @@
             <a:spcAft>
               <a:spcPct val="35000"/>
             </a:spcAft>
+            <a:buNone/>
           </a:pPr>
           <a:endParaRPr lang="en-US" sz="500" kern="1200"/>
         </a:p>
@@ -5285,7 +4720,7 @@
         </a:bodyPr>
         <a:lstStyle/>
         <a:p>
-          <a:pPr lvl="0" algn="ctr" defTabSz="266700">
+          <a:pPr marL="0" lvl="0" indent="0" algn="ctr" defTabSz="266700">
             <a:lnSpc>
               <a:spcPct val="90000"/>
             </a:lnSpc>
@@ -5295,12 +4730,12 @@
             <a:spcAft>
               <a:spcPct val="35000"/>
             </a:spcAft>
+            <a:buNone/>
           </a:pPr>
           <a:r>
-            <a:rPr lang="en-US" sz="600" kern="1200" dirty="0" smtClean="0"/>
+            <a:rPr lang="en-US" sz="600" kern="1200" dirty="0"/>
             <a:t>manual.docx</a:t>
           </a:r>
-          <a:endParaRPr lang="en-US" sz="600" kern="1200" dirty="0"/>
         </a:p>
       </dsp:txBody>
       <dsp:txXfrm>
@@ -5368,7 +4803,7 @@
         </a:bodyPr>
         <a:lstStyle/>
         <a:p>
-          <a:pPr lvl="0" algn="ctr" defTabSz="222250">
+          <a:pPr marL="0" lvl="0" indent="0" algn="ctr" defTabSz="222250">
             <a:lnSpc>
               <a:spcPct val="90000"/>
             </a:lnSpc>
@@ -5378,6 +4813,7 @@
             <a:spcAft>
               <a:spcPct val="35000"/>
             </a:spcAft>
+            <a:buNone/>
           </a:pPr>
           <a:endParaRPr lang="en-US" sz="500" kern="1200"/>
         </a:p>
@@ -5443,7 +4879,7 @@
         </a:bodyPr>
         <a:lstStyle/>
         <a:p>
-          <a:pPr lvl="0" algn="ctr" defTabSz="266700">
+          <a:pPr marL="0" lvl="0" indent="0" algn="ctr" defTabSz="266700">
             <a:lnSpc>
               <a:spcPct val="90000"/>
             </a:lnSpc>
@@ -5453,12 +4889,12 @@
             <a:spcAft>
               <a:spcPct val="35000"/>
             </a:spcAft>
+            <a:buNone/>
           </a:pPr>
           <a:r>
-            <a:rPr lang="en-US" sz="600" kern="1200" dirty="0" smtClean="0"/>
+            <a:rPr lang="en-US" sz="600" kern="1200" dirty="0"/>
             <a:t>user_docs.docx</a:t>
           </a:r>
-          <a:endParaRPr lang="en-US" sz="600" kern="1200" dirty="0"/>
         </a:p>
       </dsp:txBody>
       <dsp:txXfrm>
@@ -5526,7 +4962,7 @@
         </a:bodyPr>
         <a:lstStyle/>
         <a:p>
-          <a:pPr lvl="0" algn="ctr" defTabSz="222250">
+          <a:pPr marL="0" lvl="0" indent="0" algn="ctr" defTabSz="222250">
             <a:lnSpc>
               <a:spcPct val="90000"/>
             </a:lnSpc>
@@ -5536,6 +4972,7 @@
             <a:spcAft>
               <a:spcPct val="35000"/>
             </a:spcAft>
+            <a:buNone/>
           </a:pPr>
           <a:endParaRPr lang="en-US" sz="500" kern="1200"/>
         </a:p>
@@ -5601,7 +5038,7 @@
         </a:bodyPr>
         <a:lstStyle/>
         <a:p>
-          <a:pPr lvl="0" algn="ctr" defTabSz="266700">
+          <a:pPr marL="0" lvl="0" indent="0" algn="ctr" defTabSz="266700">
             <a:lnSpc>
               <a:spcPct val="90000"/>
             </a:lnSpc>
@@ -5611,9 +5048,10 @@
             <a:spcAft>
               <a:spcPct val="35000"/>
             </a:spcAft>
+            <a:buNone/>
           </a:pPr>
           <a:r>
-            <a:rPr lang="en-US" sz="600" kern="1200" dirty="0" err="1" smtClean="0"/>
+            <a:rPr lang="en-US" sz="600" kern="1200" dirty="0" err="1"/>
             <a:t>src</a:t>
           </a:r>
           <a:endParaRPr lang="en-US" sz="600" kern="1200" dirty="0"/>
@@ -5684,7 +5122,7 @@
         </a:bodyPr>
         <a:lstStyle/>
         <a:p>
-          <a:pPr lvl="0" algn="ctr" defTabSz="222250">
+          <a:pPr marL="0" lvl="0" indent="0" algn="ctr" defTabSz="222250">
             <a:lnSpc>
               <a:spcPct val="90000"/>
             </a:lnSpc>
@@ -5694,6 +5132,7 @@
             <a:spcAft>
               <a:spcPct val="35000"/>
             </a:spcAft>
+            <a:buNone/>
           </a:pPr>
           <a:endParaRPr lang="en-US" sz="500" kern="1200"/>
         </a:p>
@@ -5759,7 +5198,7 @@
         </a:bodyPr>
         <a:lstStyle/>
         <a:p>
-          <a:pPr lvl="0" algn="ctr" defTabSz="266700">
+          <a:pPr marL="0" lvl="0" indent="0" algn="ctr" defTabSz="266700">
             <a:lnSpc>
               <a:spcPct val="90000"/>
             </a:lnSpc>
@@ -5769,9 +5208,10 @@
             <a:spcAft>
               <a:spcPct val="35000"/>
             </a:spcAft>
+            <a:buNone/>
           </a:pPr>
           <a:r>
-            <a:rPr lang="en-US" sz="600" kern="1200" dirty="0" err="1" smtClean="0"/>
+            <a:rPr lang="en-US" sz="600" kern="1200" dirty="0" err="1"/>
             <a:t>main.rkt</a:t>
           </a:r>
           <a:endParaRPr lang="en-US" sz="600" kern="1200" dirty="0"/>
@@ -5842,7 +5282,7 @@
         </a:bodyPr>
         <a:lstStyle/>
         <a:p>
-          <a:pPr lvl="0" algn="ctr" defTabSz="222250">
+          <a:pPr marL="0" lvl="0" indent="0" algn="ctr" defTabSz="222250">
             <a:lnSpc>
               <a:spcPct val="90000"/>
             </a:lnSpc>
@@ -5852,6 +5292,7 @@
             <a:spcAft>
               <a:spcPct val="35000"/>
             </a:spcAft>
+            <a:buNone/>
           </a:pPr>
           <a:endParaRPr lang="en-US" sz="500" kern="1200"/>
         </a:p>
@@ -5917,7 +5358,7 @@
         </a:bodyPr>
         <a:lstStyle/>
         <a:p>
-          <a:pPr lvl="0" algn="ctr" defTabSz="266700">
+          <a:pPr marL="0" lvl="0" indent="0" algn="ctr" defTabSz="266700">
             <a:lnSpc>
               <a:spcPct val="90000"/>
             </a:lnSpc>
@@ -5927,12 +5368,12 @@
             <a:spcAft>
               <a:spcPct val="35000"/>
             </a:spcAft>
+            <a:buNone/>
           </a:pPr>
           <a:r>
-            <a:rPr lang="en-US" sz="600" kern="1200" dirty="0" smtClean="0"/>
+            <a:rPr lang="en-US" sz="600" kern="1200" dirty="0"/>
             <a:t>module1.rkt</a:t>
           </a:r>
-          <a:endParaRPr lang="en-US" sz="600" kern="1200" dirty="0"/>
         </a:p>
       </dsp:txBody>
       <dsp:txXfrm>
@@ -6000,7 +5441,7 @@
         </a:bodyPr>
         <a:lstStyle/>
         <a:p>
-          <a:pPr lvl="0" algn="ctr" defTabSz="222250">
+          <a:pPr marL="0" lvl="0" indent="0" algn="ctr" defTabSz="222250">
             <a:lnSpc>
               <a:spcPct val="90000"/>
             </a:lnSpc>
@@ -6010,6 +5451,7 @@
             <a:spcAft>
               <a:spcPct val="35000"/>
             </a:spcAft>
+            <a:buNone/>
           </a:pPr>
           <a:endParaRPr lang="en-US" sz="500" kern="1200"/>
         </a:p>
@@ -6075,7 +5517,7 @@
         </a:bodyPr>
         <a:lstStyle/>
         <a:p>
-          <a:pPr lvl="0" algn="ctr" defTabSz="266700">
+          <a:pPr marL="0" lvl="0" indent="0" algn="ctr" defTabSz="266700">
             <a:lnSpc>
               <a:spcPct val="90000"/>
             </a:lnSpc>
@@ -6085,12 +5527,12 @@
             <a:spcAft>
               <a:spcPct val="35000"/>
             </a:spcAft>
+            <a:buNone/>
           </a:pPr>
           <a:r>
-            <a:rPr lang="en-US" sz="600" kern="1200" dirty="0" smtClean="0"/>
+            <a:rPr lang="en-US" sz="600" kern="1200" dirty="0"/>
             <a:t>module2.rkt</a:t>
           </a:r>
-          <a:endParaRPr lang="en-US" sz="600" kern="1200" dirty="0"/>
         </a:p>
       </dsp:txBody>
       <dsp:txXfrm>
@@ -6158,7 +5600,7 @@
         </a:bodyPr>
         <a:lstStyle/>
         <a:p>
-          <a:pPr lvl="0" algn="ctr" defTabSz="222250">
+          <a:pPr marL="0" lvl="0" indent="0" algn="ctr" defTabSz="222250">
             <a:lnSpc>
               <a:spcPct val="90000"/>
             </a:lnSpc>
@@ -6168,6 +5610,7 @@
             <a:spcAft>
               <a:spcPct val="35000"/>
             </a:spcAft>
+            <a:buNone/>
           </a:pPr>
           <a:endParaRPr lang="en-US" sz="500" kern="1200"/>
         </a:p>
@@ -6233,7 +5676,7 @@
         </a:bodyPr>
         <a:lstStyle/>
         <a:p>
-          <a:pPr lvl="0" algn="ctr" defTabSz="266700">
+          <a:pPr marL="0" lvl="0" indent="0" algn="ctr" defTabSz="266700">
             <a:lnSpc>
               <a:spcPct val="90000"/>
             </a:lnSpc>
@@ -6243,12 +5686,12 @@
             <a:spcAft>
               <a:spcPct val="35000"/>
             </a:spcAft>
+            <a:buNone/>
           </a:pPr>
           <a:r>
-            <a:rPr lang="en-US" sz="600" kern="1200" dirty="0" smtClean="0"/>
+            <a:rPr lang="en-US" sz="600" kern="1200" dirty="0"/>
             <a:t>module3.rkt</a:t>
           </a:r>
-          <a:endParaRPr lang="en-US" sz="600" kern="1200" dirty="0"/>
         </a:p>
       </dsp:txBody>
       <dsp:txXfrm>
@@ -6324,7 +5767,7 @@
         </a:bodyPr>
         <a:lstStyle/>
         <a:p>
-          <a:pPr lvl="0" algn="ctr" defTabSz="222250">
+          <a:pPr marL="0" lvl="0" indent="0" algn="ctr" defTabSz="222250">
             <a:lnSpc>
               <a:spcPct val="90000"/>
             </a:lnSpc>
@@ -6334,12 +5777,12 @@
             <a:spcAft>
               <a:spcPct val="35000"/>
             </a:spcAft>
+            <a:buNone/>
           </a:pPr>
           <a:r>
-            <a:rPr lang="en-US" sz="500" kern="1200" dirty="0" smtClean="0"/>
+            <a:rPr lang="en-US" sz="500" kern="1200" dirty="0"/>
             <a:t>my-project</a:t>
           </a:r>
-          <a:endParaRPr lang="en-US" sz="500" kern="1200" dirty="0"/>
         </a:p>
       </dsp:txBody>
       <dsp:txXfrm>
@@ -6407,7 +5850,7 @@
         </a:bodyPr>
         <a:lstStyle/>
         <a:p>
-          <a:pPr lvl="0" algn="ctr" defTabSz="177800">
+          <a:pPr marL="0" lvl="0" indent="0" algn="ctr" defTabSz="177800">
             <a:lnSpc>
               <a:spcPct val="90000"/>
             </a:lnSpc>
@@ -6417,6 +5860,7 @@
             <a:spcAft>
               <a:spcPct val="35000"/>
             </a:spcAft>
+            <a:buNone/>
           </a:pPr>
           <a:endParaRPr lang="en-US" sz="400" kern="1200"/>
         </a:p>
@@ -6482,7 +5926,7 @@
         </a:bodyPr>
         <a:lstStyle/>
         <a:p>
-          <a:pPr lvl="0" algn="ctr" defTabSz="222250">
+          <a:pPr marL="0" lvl="0" indent="0" algn="ctr" defTabSz="222250">
             <a:lnSpc>
               <a:spcPct val="90000"/>
             </a:lnSpc>
@@ -6492,12 +5936,12 @@
             <a:spcAft>
               <a:spcPct val="35000"/>
             </a:spcAft>
+            <a:buNone/>
           </a:pPr>
           <a:r>
-            <a:rPr lang="en-US" sz="500" kern="1200" dirty="0" smtClean="0"/>
+            <a:rPr lang="en-US" sz="500" kern="1200" dirty="0"/>
             <a:t>docs</a:t>
           </a:r>
-          <a:endParaRPr lang="en-US" sz="500" kern="1200" dirty="0"/>
         </a:p>
       </dsp:txBody>
       <dsp:txXfrm>
@@ -6565,7 +6009,7 @@
         </a:bodyPr>
         <a:lstStyle/>
         <a:p>
-          <a:pPr lvl="0" algn="ctr" defTabSz="177800">
+          <a:pPr marL="0" lvl="0" indent="0" algn="ctr" defTabSz="177800">
             <a:lnSpc>
               <a:spcPct val="90000"/>
             </a:lnSpc>
@@ -6575,6 +6019,7 @@
             <a:spcAft>
               <a:spcPct val="35000"/>
             </a:spcAft>
+            <a:buNone/>
           </a:pPr>
           <a:endParaRPr lang="en-US" sz="400" kern="1200"/>
         </a:p>
@@ -6640,7 +6085,7 @@
         </a:bodyPr>
         <a:lstStyle/>
         <a:p>
-          <a:pPr lvl="0" algn="ctr" defTabSz="222250">
+          <a:pPr marL="0" lvl="0" indent="0" algn="ctr" defTabSz="222250">
             <a:lnSpc>
               <a:spcPct val="90000"/>
             </a:lnSpc>
@@ -6650,12 +6095,12 @@
             <a:spcAft>
               <a:spcPct val="35000"/>
             </a:spcAft>
+            <a:buNone/>
           </a:pPr>
           <a:r>
-            <a:rPr lang="en-US" sz="500" kern="1200" dirty="0" smtClean="0"/>
+            <a:rPr lang="en-US" sz="500" kern="1200" dirty="0"/>
             <a:t>manual.docx</a:t>
           </a:r>
-          <a:endParaRPr lang="en-US" sz="500" kern="1200" dirty="0"/>
         </a:p>
       </dsp:txBody>
       <dsp:txXfrm>
@@ -6723,7 +6168,7 @@
         </a:bodyPr>
         <a:lstStyle/>
         <a:p>
-          <a:pPr lvl="0" algn="ctr" defTabSz="177800">
+          <a:pPr marL="0" lvl="0" indent="0" algn="ctr" defTabSz="177800">
             <a:lnSpc>
               <a:spcPct val="90000"/>
             </a:lnSpc>
@@ -6733,6 +6178,7 @@
             <a:spcAft>
               <a:spcPct val="35000"/>
             </a:spcAft>
+            <a:buNone/>
           </a:pPr>
           <a:endParaRPr lang="en-US" sz="400" kern="1200"/>
         </a:p>
@@ -6798,7 +6244,7 @@
         </a:bodyPr>
         <a:lstStyle/>
         <a:p>
-          <a:pPr lvl="0" algn="ctr" defTabSz="222250">
+          <a:pPr marL="0" lvl="0" indent="0" algn="ctr" defTabSz="222250">
             <a:lnSpc>
               <a:spcPct val="90000"/>
             </a:lnSpc>
@@ -6808,12 +6254,12 @@
             <a:spcAft>
               <a:spcPct val="35000"/>
             </a:spcAft>
+            <a:buNone/>
           </a:pPr>
           <a:r>
-            <a:rPr lang="en-US" sz="500" kern="1200" dirty="0" smtClean="0"/>
+            <a:rPr lang="en-US" sz="500" kern="1200" dirty="0"/>
             <a:t>user_docs.docx</a:t>
           </a:r>
-          <a:endParaRPr lang="en-US" sz="500" kern="1200" dirty="0"/>
         </a:p>
       </dsp:txBody>
       <dsp:txXfrm>
@@ -6881,7 +6327,7 @@
         </a:bodyPr>
         <a:lstStyle/>
         <a:p>
-          <a:pPr lvl="0" algn="ctr" defTabSz="177800">
+          <a:pPr marL="0" lvl="0" indent="0" algn="ctr" defTabSz="177800">
             <a:lnSpc>
               <a:spcPct val="90000"/>
             </a:lnSpc>
@@ -6891,6 +6337,7 @@
             <a:spcAft>
               <a:spcPct val="35000"/>
             </a:spcAft>
+            <a:buNone/>
           </a:pPr>
           <a:endParaRPr lang="en-US" sz="400" kern="1200"/>
         </a:p>
@@ -6956,7 +6403,7 @@
         </a:bodyPr>
         <a:lstStyle/>
         <a:p>
-          <a:pPr lvl="0" algn="ctr" defTabSz="222250">
+          <a:pPr marL="0" lvl="0" indent="0" algn="ctr" defTabSz="222250">
             <a:lnSpc>
               <a:spcPct val="90000"/>
             </a:lnSpc>
@@ -6966,9 +6413,10 @@
             <a:spcAft>
               <a:spcPct val="35000"/>
             </a:spcAft>
+            <a:buNone/>
           </a:pPr>
           <a:r>
-            <a:rPr lang="en-US" sz="500" kern="1200" dirty="0" err="1" smtClean="0"/>
+            <a:rPr lang="en-US" sz="500" kern="1200" dirty="0" err="1"/>
             <a:t>src</a:t>
           </a:r>
           <a:endParaRPr lang="en-US" sz="500" kern="1200" dirty="0"/>
@@ -7039,7 +6487,7 @@
         </a:bodyPr>
         <a:lstStyle/>
         <a:p>
-          <a:pPr lvl="0" algn="ctr" defTabSz="177800">
+          <a:pPr marL="0" lvl="0" indent="0" algn="ctr" defTabSz="177800">
             <a:lnSpc>
               <a:spcPct val="90000"/>
             </a:lnSpc>
@@ -7049,6 +6497,7 @@
             <a:spcAft>
               <a:spcPct val="35000"/>
             </a:spcAft>
+            <a:buNone/>
           </a:pPr>
           <a:endParaRPr lang="en-US" sz="400" kern="1200"/>
         </a:p>
@@ -7114,7 +6563,7 @@
         </a:bodyPr>
         <a:lstStyle/>
         <a:p>
-          <a:pPr lvl="0" algn="ctr" defTabSz="222250">
+          <a:pPr marL="0" lvl="0" indent="0" algn="ctr" defTabSz="222250">
             <a:lnSpc>
               <a:spcPct val="90000"/>
             </a:lnSpc>
@@ -7124,9 +6573,10 @@
             <a:spcAft>
               <a:spcPct val="35000"/>
             </a:spcAft>
+            <a:buNone/>
           </a:pPr>
           <a:r>
-            <a:rPr lang="en-US" sz="500" kern="1200" dirty="0" err="1" smtClean="0"/>
+            <a:rPr lang="en-US" sz="500" kern="1200" dirty="0" err="1"/>
             <a:t>main.rkt</a:t>
           </a:r>
           <a:endParaRPr lang="en-US" sz="500" kern="1200" dirty="0"/>
@@ -7197,7 +6647,7 @@
         </a:bodyPr>
         <a:lstStyle/>
         <a:p>
-          <a:pPr lvl="0" algn="ctr" defTabSz="177800">
+          <a:pPr marL="0" lvl="0" indent="0" algn="ctr" defTabSz="177800">
             <a:lnSpc>
               <a:spcPct val="90000"/>
             </a:lnSpc>
@@ -7207,6 +6657,7 @@
             <a:spcAft>
               <a:spcPct val="35000"/>
             </a:spcAft>
+            <a:buNone/>
           </a:pPr>
           <a:endParaRPr lang="en-US" sz="400" kern="1200"/>
         </a:p>
@@ -7272,7 +6723,7 @@
         </a:bodyPr>
         <a:lstStyle/>
         <a:p>
-          <a:pPr lvl="0" algn="ctr" defTabSz="222250">
+          <a:pPr marL="0" lvl="0" indent="0" algn="ctr" defTabSz="222250">
             <a:lnSpc>
               <a:spcPct val="90000"/>
             </a:lnSpc>
@@ -7282,12 +6733,12 @@
             <a:spcAft>
               <a:spcPct val="35000"/>
             </a:spcAft>
+            <a:buNone/>
           </a:pPr>
           <a:r>
-            <a:rPr lang="en-US" sz="500" kern="1200" dirty="0" smtClean="0"/>
+            <a:rPr lang="en-US" sz="500" kern="1200" dirty="0"/>
             <a:t>module1.rkt</a:t>
           </a:r>
-          <a:endParaRPr lang="en-US" sz="500" kern="1200" dirty="0"/>
         </a:p>
       </dsp:txBody>
       <dsp:txXfrm>
@@ -7355,7 +6806,7 @@
         </a:bodyPr>
         <a:lstStyle/>
         <a:p>
-          <a:pPr lvl="0" algn="ctr" defTabSz="177800">
+          <a:pPr marL="0" lvl="0" indent="0" algn="ctr" defTabSz="177800">
             <a:lnSpc>
               <a:spcPct val="90000"/>
             </a:lnSpc>
@@ -7365,6 +6816,7 @@
             <a:spcAft>
               <a:spcPct val="35000"/>
             </a:spcAft>
+            <a:buNone/>
           </a:pPr>
           <a:endParaRPr lang="en-US" sz="400" kern="1200"/>
         </a:p>
@@ -7430,7 +6882,7 @@
         </a:bodyPr>
         <a:lstStyle/>
         <a:p>
-          <a:pPr lvl="0" algn="ctr" defTabSz="222250">
+          <a:pPr marL="0" lvl="0" indent="0" algn="ctr" defTabSz="222250">
             <a:lnSpc>
               <a:spcPct val="90000"/>
             </a:lnSpc>
@@ -7440,12 +6892,12 @@
             <a:spcAft>
               <a:spcPct val="35000"/>
             </a:spcAft>
+            <a:buNone/>
           </a:pPr>
           <a:r>
-            <a:rPr lang="en-US" sz="500" kern="1200" dirty="0" smtClean="0"/>
+            <a:rPr lang="en-US" sz="500" kern="1200" dirty="0"/>
             <a:t>module2.rkt</a:t>
           </a:r>
-          <a:endParaRPr lang="en-US" sz="500" kern="1200" dirty="0"/>
         </a:p>
       </dsp:txBody>
       <dsp:txXfrm>
@@ -7513,7 +6965,7 @@
         </a:bodyPr>
         <a:lstStyle/>
         <a:p>
-          <a:pPr lvl="0" algn="ctr" defTabSz="177800">
+          <a:pPr marL="0" lvl="0" indent="0" algn="ctr" defTabSz="177800">
             <a:lnSpc>
               <a:spcPct val="90000"/>
             </a:lnSpc>
@@ -7523,6 +6975,7 @@
             <a:spcAft>
               <a:spcPct val="35000"/>
             </a:spcAft>
+            <a:buNone/>
           </a:pPr>
           <a:endParaRPr lang="en-US" sz="400" kern="1200"/>
         </a:p>
@@ -7588,7 +7041,7 @@
         </a:bodyPr>
         <a:lstStyle/>
         <a:p>
-          <a:pPr lvl="0" algn="ctr" defTabSz="222250">
+          <a:pPr marL="0" lvl="0" indent="0" algn="ctr" defTabSz="222250">
             <a:lnSpc>
               <a:spcPct val="90000"/>
             </a:lnSpc>
@@ -7598,12 +7051,12 @@
             <a:spcAft>
               <a:spcPct val="35000"/>
             </a:spcAft>
+            <a:buNone/>
           </a:pPr>
           <a:r>
-            <a:rPr lang="en-US" sz="500" kern="1200" dirty="0" smtClean="0"/>
+            <a:rPr lang="en-US" sz="500" kern="1200" dirty="0"/>
             <a:t>module3.rkt</a:t>
           </a:r>
-          <a:endParaRPr lang="en-US" sz="500" kern="1200" dirty="0"/>
         </a:p>
       </dsp:txBody>
       <dsp:txXfrm>
@@ -7679,7 +7132,7 @@
         </a:bodyPr>
         <a:lstStyle/>
         <a:p>
-          <a:pPr lvl="0" algn="ctr" defTabSz="222250">
+          <a:pPr marL="0" lvl="0" indent="0" algn="ctr" defTabSz="222250">
             <a:lnSpc>
               <a:spcPct val="90000"/>
             </a:lnSpc>
@@ -7689,12 +7142,12 @@
             <a:spcAft>
               <a:spcPct val="35000"/>
             </a:spcAft>
+            <a:buNone/>
           </a:pPr>
           <a:r>
-            <a:rPr lang="en-US" sz="500" kern="1200" dirty="0" smtClean="0"/>
+            <a:rPr lang="en-US" sz="500" kern="1200" dirty="0"/>
             <a:t>my-project</a:t>
           </a:r>
-          <a:endParaRPr lang="en-US" sz="500" kern="1200" dirty="0"/>
         </a:p>
       </dsp:txBody>
       <dsp:txXfrm>
@@ -7762,7 +7215,7 @@
         </a:bodyPr>
         <a:lstStyle/>
         <a:p>
-          <a:pPr lvl="0" algn="ctr" defTabSz="177800">
+          <a:pPr marL="0" lvl="0" indent="0" algn="ctr" defTabSz="177800">
             <a:lnSpc>
               <a:spcPct val="90000"/>
             </a:lnSpc>
@@ -7772,6 +7225,7 @@
             <a:spcAft>
               <a:spcPct val="35000"/>
             </a:spcAft>
+            <a:buNone/>
           </a:pPr>
           <a:endParaRPr lang="en-US" sz="400" kern="1200"/>
         </a:p>
@@ -7837,7 +7291,7 @@
         </a:bodyPr>
         <a:lstStyle/>
         <a:p>
-          <a:pPr lvl="0" algn="ctr" defTabSz="222250">
+          <a:pPr marL="0" lvl="0" indent="0" algn="ctr" defTabSz="222250">
             <a:lnSpc>
               <a:spcPct val="90000"/>
             </a:lnSpc>
@@ -7847,12 +7301,12 @@
             <a:spcAft>
               <a:spcPct val="35000"/>
             </a:spcAft>
+            <a:buNone/>
           </a:pPr>
           <a:r>
-            <a:rPr lang="en-US" sz="500" kern="1200" dirty="0" smtClean="0"/>
+            <a:rPr lang="en-US" sz="500" kern="1200" dirty="0"/>
             <a:t>docs</a:t>
           </a:r>
-          <a:endParaRPr lang="en-US" sz="500" kern="1200" dirty="0"/>
         </a:p>
       </dsp:txBody>
       <dsp:txXfrm>
@@ -7920,7 +7374,7 @@
         </a:bodyPr>
         <a:lstStyle/>
         <a:p>
-          <a:pPr lvl="0" algn="ctr" defTabSz="177800">
+          <a:pPr marL="0" lvl="0" indent="0" algn="ctr" defTabSz="177800">
             <a:lnSpc>
               <a:spcPct val="90000"/>
             </a:lnSpc>
@@ -7930,6 +7384,7 @@
             <a:spcAft>
               <a:spcPct val="35000"/>
             </a:spcAft>
+            <a:buNone/>
           </a:pPr>
           <a:endParaRPr lang="en-US" sz="400" kern="1200"/>
         </a:p>
@@ -7995,7 +7450,7 @@
         </a:bodyPr>
         <a:lstStyle/>
         <a:p>
-          <a:pPr lvl="0" algn="ctr" defTabSz="222250">
+          <a:pPr marL="0" lvl="0" indent="0" algn="ctr" defTabSz="222250">
             <a:lnSpc>
               <a:spcPct val="90000"/>
             </a:lnSpc>
@@ -8005,12 +7460,12 @@
             <a:spcAft>
               <a:spcPct val="35000"/>
             </a:spcAft>
+            <a:buNone/>
           </a:pPr>
           <a:r>
-            <a:rPr lang="en-US" sz="500" kern="1200" dirty="0" smtClean="0"/>
+            <a:rPr lang="en-US" sz="500" kern="1200" dirty="0"/>
             <a:t>manual.docx</a:t>
           </a:r>
-          <a:endParaRPr lang="en-US" sz="500" kern="1200" dirty="0"/>
         </a:p>
       </dsp:txBody>
       <dsp:txXfrm>
@@ -8078,7 +7533,7 @@
         </a:bodyPr>
         <a:lstStyle/>
         <a:p>
-          <a:pPr lvl="0" algn="ctr" defTabSz="177800">
+          <a:pPr marL="0" lvl="0" indent="0" algn="ctr" defTabSz="177800">
             <a:lnSpc>
               <a:spcPct val="90000"/>
             </a:lnSpc>
@@ -8088,6 +7543,7 @@
             <a:spcAft>
               <a:spcPct val="35000"/>
             </a:spcAft>
+            <a:buNone/>
           </a:pPr>
           <a:endParaRPr lang="en-US" sz="400" kern="1200"/>
         </a:p>
@@ -8153,7 +7609,7 @@
         </a:bodyPr>
         <a:lstStyle/>
         <a:p>
-          <a:pPr lvl="0" algn="ctr" defTabSz="222250">
+          <a:pPr marL="0" lvl="0" indent="0" algn="ctr" defTabSz="222250">
             <a:lnSpc>
               <a:spcPct val="90000"/>
             </a:lnSpc>
@@ -8163,12 +7619,12 @@
             <a:spcAft>
               <a:spcPct val="35000"/>
             </a:spcAft>
+            <a:buNone/>
           </a:pPr>
           <a:r>
-            <a:rPr lang="en-US" sz="500" kern="1200" dirty="0" smtClean="0"/>
+            <a:rPr lang="en-US" sz="500" kern="1200" dirty="0"/>
             <a:t>user_docs.docx</a:t>
           </a:r>
-          <a:endParaRPr lang="en-US" sz="500" kern="1200" dirty="0"/>
         </a:p>
       </dsp:txBody>
       <dsp:txXfrm>
@@ -8236,7 +7692,7 @@
         </a:bodyPr>
         <a:lstStyle/>
         <a:p>
-          <a:pPr lvl="0" algn="ctr" defTabSz="177800">
+          <a:pPr marL="0" lvl="0" indent="0" algn="ctr" defTabSz="177800">
             <a:lnSpc>
               <a:spcPct val="90000"/>
             </a:lnSpc>
@@ -8246,6 +7702,7 @@
             <a:spcAft>
               <a:spcPct val="35000"/>
             </a:spcAft>
+            <a:buNone/>
           </a:pPr>
           <a:endParaRPr lang="en-US" sz="400" kern="1200"/>
         </a:p>
@@ -8311,7 +7768,7 @@
         </a:bodyPr>
         <a:lstStyle/>
         <a:p>
-          <a:pPr lvl="0" algn="ctr" defTabSz="222250">
+          <a:pPr marL="0" lvl="0" indent="0" algn="ctr" defTabSz="222250">
             <a:lnSpc>
               <a:spcPct val="90000"/>
             </a:lnSpc>
@@ -8321,9 +7778,10 @@
             <a:spcAft>
               <a:spcPct val="35000"/>
             </a:spcAft>
+            <a:buNone/>
           </a:pPr>
           <a:r>
-            <a:rPr lang="en-US" sz="500" kern="1200" dirty="0" err="1" smtClean="0"/>
+            <a:rPr lang="en-US" sz="500" kern="1200" dirty="0" err="1"/>
             <a:t>src</a:t>
           </a:r>
           <a:endParaRPr lang="en-US" sz="500" kern="1200" dirty="0"/>
@@ -8394,7 +7852,7 @@
         </a:bodyPr>
         <a:lstStyle/>
         <a:p>
-          <a:pPr lvl="0" algn="ctr" defTabSz="177800">
+          <a:pPr marL="0" lvl="0" indent="0" algn="ctr" defTabSz="177800">
             <a:lnSpc>
               <a:spcPct val="90000"/>
             </a:lnSpc>
@@ -8404,6 +7862,7 @@
             <a:spcAft>
               <a:spcPct val="35000"/>
             </a:spcAft>
+            <a:buNone/>
           </a:pPr>
           <a:endParaRPr lang="en-US" sz="400" kern="1200"/>
         </a:p>
@@ -8469,7 +7928,7 @@
         </a:bodyPr>
         <a:lstStyle/>
         <a:p>
-          <a:pPr lvl="0" algn="ctr" defTabSz="222250">
+          <a:pPr marL="0" lvl="0" indent="0" algn="ctr" defTabSz="222250">
             <a:lnSpc>
               <a:spcPct val="90000"/>
             </a:lnSpc>
@@ -8479,9 +7938,10 @@
             <a:spcAft>
               <a:spcPct val="35000"/>
             </a:spcAft>
+            <a:buNone/>
           </a:pPr>
           <a:r>
-            <a:rPr lang="en-US" sz="500" kern="1200" dirty="0" err="1" smtClean="0"/>
+            <a:rPr lang="en-US" sz="500" kern="1200" dirty="0" err="1"/>
             <a:t>main.rkt</a:t>
           </a:r>
           <a:endParaRPr lang="en-US" sz="500" kern="1200" dirty="0"/>
@@ -8552,7 +8012,7 @@
         </a:bodyPr>
         <a:lstStyle/>
         <a:p>
-          <a:pPr lvl="0" algn="ctr" defTabSz="177800">
+          <a:pPr marL="0" lvl="0" indent="0" algn="ctr" defTabSz="177800">
             <a:lnSpc>
               <a:spcPct val="90000"/>
             </a:lnSpc>
@@ -8562,6 +8022,7 @@
             <a:spcAft>
               <a:spcPct val="35000"/>
             </a:spcAft>
+            <a:buNone/>
           </a:pPr>
           <a:endParaRPr lang="en-US" sz="400" kern="1200"/>
         </a:p>
@@ -8627,7 +8088,7 @@
         </a:bodyPr>
         <a:lstStyle/>
         <a:p>
-          <a:pPr lvl="0" algn="ctr" defTabSz="222250">
+          <a:pPr marL="0" lvl="0" indent="0" algn="ctr" defTabSz="222250">
             <a:lnSpc>
               <a:spcPct val="90000"/>
             </a:lnSpc>
@@ -8637,12 +8098,12 @@
             <a:spcAft>
               <a:spcPct val="35000"/>
             </a:spcAft>
+            <a:buNone/>
           </a:pPr>
           <a:r>
-            <a:rPr lang="en-US" sz="500" kern="1200" dirty="0" smtClean="0"/>
+            <a:rPr lang="en-US" sz="500" kern="1200" dirty="0"/>
             <a:t>module1.rkt</a:t>
           </a:r>
-          <a:endParaRPr lang="en-US" sz="500" kern="1200" dirty="0"/>
         </a:p>
       </dsp:txBody>
       <dsp:txXfrm>
@@ -8710,7 +8171,7 @@
         </a:bodyPr>
         <a:lstStyle/>
         <a:p>
-          <a:pPr lvl="0" algn="ctr" defTabSz="177800">
+          <a:pPr marL="0" lvl="0" indent="0" algn="ctr" defTabSz="177800">
             <a:lnSpc>
               <a:spcPct val="90000"/>
             </a:lnSpc>
@@ -8720,6 +8181,7 @@
             <a:spcAft>
               <a:spcPct val="35000"/>
             </a:spcAft>
+            <a:buNone/>
           </a:pPr>
           <a:endParaRPr lang="en-US" sz="400" kern="1200"/>
         </a:p>
@@ -8785,7 +8247,7 @@
         </a:bodyPr>
         <a:lstStyle/>
         <a:p>
-          <a:pPr lvl="0" algn="ctr" defTabSz="222250">
+          <a:pPr marL="0" lvl="0" indent="0" algn="ctr" defTabSz="222250">
             <a:lnSpc>
               <a:spcPct val="90000"/>
             </a:lnSpc>
@@ -8795,12 +8257,12 @@
             <a:spcAft>
               <a:spcPct val="35000"/>
             </a:spcAft>
+            <a:buNone/>
           </a:pPr>
           <a:r>
-            <a:rPr lang="en-US" sz="500" kern="1200" dirty="0" smtClean="0"/>
+            <a:rPr lang="en-US" sz="500" kern="1200" dirty="0"/>
             <a:t>module2.rkt</a:t>
           </a:r>
-          <a:endParaRPr lang="en-US" sz="500" kern="1200" dirty="0"/>
         </a:p>
       </dsp:txBody>
       <dsp:txXfrm>
@@ -8868,7 +8330,7 @@
         </a:bodyPr>
         <a:lstStyle/>
         <a:p>
-          <a:pPr lvl="0" algn="ctr" defTabSz="177800">
+          <a:pPr marL="0" lvl="0" indent="0" algn="ctr" defTabSz="177800">
             <a:lnSpc>
               <a:spcPct val="90000"/>
             </a:lnSpc>
@@ -8878,6 +8340,7 @@
             <a:spcAft>
               <a:spcPct val="35000"/>
             </a:spcAft>
+            <a:buNone/>
           </a:pPr>
           <a:endParaRPr lang="en-US" sz="400" kern="1200"/>
         </a:p>
@@ -8943,7 +8406,7 @@
         </a:bodyPr>
         <a:lstStyle/>
         <a:p>
-          <a:pPr lvl="0" algn="ctr" defTabSz="222250">
+          <a:pPr marL="0" lvl="0" indent="0" algn="ctr" defTabSz="222250">
             <a:lnSpc>
               <a:spcPct val="90000"/>
             </a:lnSpc>
@@ -8953,12 +8416,12 @@
             <a:spcAft>
               <a:spcPct val="35000"/>
             </a:spcAft>
+            <a:buNone/>
           </a:pPr>
           <a:r>
-            <a:rPr lang="en-US" sz="500" kern="1200" dirty="0" smtClean="0"/>
+            <a:rPr lang="en-US" sz="500" kern="1200" dirty="0"/>
             <a:t>module3.rkt</a:t>
           </a:r>
-          <a:endParaRPr lang="en-US" sz="500" kern="1200" dirty="0"/>
         </a:p>
       </dsp:txBody>
       <dsp:txXfrm>
@@ -13114,7 +12577,7 @@
           <a:p>
             <a:fld id="{0233C7F8-0593-45B9-BDBA-CA5BA478F912}" type="datetimeFigureOut">
               <a:rPr lang="en-US" smtClean="0"/>
-              <a:t>8/1/2015</a:t>
+              <a:t>7/25/2016</a:t>
             </a:fld>
             <a:endParaRPr lang="en-US"/>
           </a:p>
@@ -13178,38 +12641,37 @@
           <a:p>
             <a:pPr lvl="0"/>
             <a:r>
-              <a:rPr lang="en-US" smtClean="0"/>
+              <a:rPr lang="en-US"/>
               <a:t>Click to edit Master text styles</a:t>
             </a:r>
           </a:p>
           <a:p>
             <a:pPr lvl="1"/>
             <a:r>
-              <a:rPr lang="en-US" smtClean="0"/>
+              <a:rPr lang="en-US"/>
               <a:t>Second level</a:t>
             </a:r>
           </a:p>
           <a:p>
             <a:pPr lvl="2"/>
             <a:r>
-              <a:rPr lang="en-US" smtClean="0"/>
+              <a:rPr lang="en-US"/>
               <a:t>Third level</a:t>
             </a:r>
           </a:p>
           <a:p>
             <a:pPr lvl="3"/>
             <a:r>
-              <a:rPr lang="en-US" smtClean="0"/>
+              <a:rPr lang="en-US"/>
               <a:t>Fourth level</a:t>
             </a:r>
           </a:p>
           <a:p>
             <a:pPr lvl="4"/>
             <a:r>
-              <a:rPr lang="en-US" smtClean="0"/>
+              <a:rPr lang="en-US"/>
               <a:t>Fifth level</a:t>
             </a:r>
-            <a:endParaRPr lang="en-US"/>
           </a:p>
         </p:txBody>
       </p:sp>
@@ -13504,10 +12966,9 @@
           <a:lstStyle/>
           <a:p>
             <a:r>
-              <a:rPr lang="en-US" smtClean="0"/>
+              <a:rPr lang="en-US"/>
               <a:t>Click to edit Master title style</a:t>
             </a:r>
-            <a:endParaRPr lang="en-US"/>
           </a:p>
         </p:txBody>
       </p:sp>
@@ -13623,10 +13084,9 @@
           </a:lstStyle>
           <a:p>
             <a:r>
-              <a:rPr lang="en-US" smtClean="0"/>
+              <a:rPr lang="en-US"/>
               <a:t>Click to edit Master subtitle style</a:t>
             </a:r>
-            <a:endParaRPr lang="en-US"/>
           </a:p>
         </p:txBody>
       </p:sp>
@@ -13647,7 +13107,7 @@
           <a:p>
             <a:fld id="{1EC6C1BC-36EB-47E8-BB9B-647AB7805A16}" type="datetime1">
               <a:rPr lang="en-US" smtClean="0"/>
-              <a:t>8/1/2015</a:t>
+              <a:t>7/25/2016</a:t>
             </a:fld>
             <a:endParaRPr lang="en-US"/>
           </a:p>
@@ -13701,13 +13161,6 @@
   <p:clrMapOvr>
     <a:masterClrMapping/>
   </p:clrMapOvr>
-  <p:timing>
-    <p:tnLst>
-      <p:par>
-        <p:cTn id="1" dur="indefinite" restart="never" nodeType="tmRoot"/>
-      </p:par>
-    </p:tnLst>
-  </p:timing>
 </p:sldLayout>
 </file>
 
@@ -13744,10 +13197,9 @@
           <a:lstStyle/>
           <a:p>
             <a:r>
-              <a:rPr lang="en-US" smtClean="0"/>
+              <a:rPr lang="en-US"/>
               <a:t>Click to edit Master title style</a:t>
             </a:r>
-            <a:endParaRPr lang="en-US"/>
           </a:p>
         </p:txBody>
       </p:sp>
@@ -13768,38 +13220,37 @@
           <a:p>
             <a:pPr lvl="0"/>
             <a:r>
-              <a:rPr lang="en-US" smtClean="0"/>
+              <a:rPr lang="en-US"/>
               <a:t>Click to edit Master text styles</a:t>
             </a:r>
           </a:p>
           <a:p>
             <a:pPr lvl="1"/>
             <a:r>
-              <a:rPr lang="en-US" smtClean="0"/>
+              <a:rPr lang="en-US"/>
               <a:t>Second level</a:t>
             </a:r>
           </a:p>
           <a:p>
             <a:pPr lvl="2"/>
             <a:r>
-              <a:rPr lang="en-US" smtClean="0"/>
+              <a:rPr lang="en-US"/>
               <a:t>Third level</a:t>
             </a:r>
           </a:p>
           <a:p>
             <a:pPr lvl="3"/>
             <a:r>
-              <a:rPr lang="en-US" smtClean="0"/>
+              <a:rPr lang="en-US"/>
               <a:t>Fourth level</a:t>
             </a:r>
           </a:p>
           <a:p>
             <a:pPr lvl="4"/>
             <a:r>
-              <a:rPr lang="en-US" smtClean="0"/>
+              <a:rPr lang="en-US"/>
               <a:t>Fifth level</a:t>
             </a:r>
-            <a:endParaRPr lang="en-US"/>
           </a:p>
         </p:txBody>
       </p:sp>
@@ -13820,7 +13271,7 @@
           <a:p>
             <a:fld id="{13C80263-1EF5-4972-8584-A05A00AE1F13}" type="datetime1">
               <a:rPr lang="en-US" smtClean="0"/>
-              <a:t>8/1/2015</a:t>
+              <a:t>7/25/2016</a:t>
             </a:fld>
             <a:endParaRPr lang="en-US"/>
           </a:p>
@@ -13915,10 +13366,9 @@
           <a:lstStyle/>
           <a:p>
             <a:r>
-              <a:rPr lang="en-US" smtClean="0"/>
+              <a:rPr lang="en-US"/>
               <a:t>Click to edit Master title style</a:t>
             </a:r>
-            <a:endParaRPr lang="en-US"/>
           </a:p>
         </p:txBody>
       </p:sp>
@@ -13944,38 +13394,37 @@
           <a:p>
             <a:pPr lvl="0"/>
             <a:r>
-              <a:rPr lang="en-US" smtClean="0"/>
+              <a:rPr lang="en-US"/>
               <a:t>Click to edit Master text styles</a:t>
             </a:r>
           </a:p>
           <a:p>
             <a:pPr lvl="1"/>
             <a:r>
-              <a:rPr lang="en-US" smtClean="0"/>
+              <a:rPr lang="en-US"/>
               <a:t>Second level</a:t>
             </a:r>
           </a:p>
           <a:p>
             <a:pPr lvl="2"/>
             <a:r>
-              <a:rPr lang="en-US" smtClean="0"/>
+              <a:rPr lang="en-US"/>
               <a:t>Third level</a:t>
             </a:r>
           </a:p>
           <a:p>
             <a:pPr lvl="3"/>
             <a:r>
-              <a:rPr lang="en-US" smtClean="0"/>
+              <a:rPr lang="en-US"/>
               <a:t>Fourth level</a:t>
             </a:r>
           </a:p>
           <a:p>
             <a:pPr lvl="4"/>
             <a:r>
-              <a:rPr lang="en-US" smtClean="0"/>
+              <a:rPr lang="en-US"/>
               <a:t>Fifth level</a:t>
             </a:r>
-            <a:endParaRPr lang="en-US"/>
           </a:p>
         </p:txBody>
       </p:sp>
@@ -13996,7 +13445,7 @@
           <a:p>
             <a:fld id="{1DC977A2-36E4-4729-9095-0B30AE4FC8F1}" type="datetime1">
               <a:rPr lang="en-US" smtClean="0"/>
-              <a:t>8/1/2015</a:t>
+              <a:t>7/25/2016</a:t>
             </a:fld>
             <a:endParaRPr lang="en-US"/>
           </a:p>
@@ -14092,10 +13541,9 @@
           <a:lstStyle/>
           <a:p>
             <a:r>
-              <a:rPr lang="en-US" smtClean="0"/>
+              <a:rPr lang="en-US"/>
               <a:t>Click to edit Master title style</a:t>
             </a:r>
-            <a:endParaRPr lang="en-US"/>
           </a:p>
         </p:txBody>
       </p:sp>
@@ -14116,38 +13564,37 @@
           <a:p>
             <a:pPr lvl="0"/>
             <a:r>
-              <a:rPr lang="en-US" smtClean="0"/>
+              <a:rPr lang="en-US"/>
               <a:t>Click to edit Master text styles</a:t>
             </a:r>
           </a:p>
           <a:p>
             <a:pPr lvl="1"/>
             <a:r>
-              <a:rPr lang="en-US" smtClean="0"/>
+              <a:rPr lang="en-US"/>
               <a:t>Second level</a:t>
             </a:r>
           </a:p>
           <a:p>
             <a:pPr lvl="2"/>
             <a:r>
-              <a:rPr lang="en-US" smtClean="0"/>
+              <a:rPr lang="en-US"/>
               <a:t>Third level</a:t>
             </a:r>
           </a:p>
           <a:p>
             <a:pPr lvl="3"/>
             <a:r>
-              <a:rPr lang="en-US" smtClean="0"/>
+              <a:rPr lang="en-US"/>
               <a:t>Fourth level</a:t>
             </a:r>
           </a:p>
           <a:p>
             <a:pPr lvl="4"/>
             <a:r>
-              <a:rPr lang="en-US" smtClean="0"/>
+              <a:rPr lang="en-US"/>
               <a:t>Fifth level</a:t>
             </a:r>
-            <a:endParaRPr lang="en-US"/>
           </a:p>
         </p:txBody>
       </p:sp>
@@ -14168,7 +13615,7 @@
           <a:p>
             <a:fld id="{8A8A4F6F-0C5D-4039-8DE5-19EEF2D994F7}" type="datetime1">
               <a:rPr lang="en-US" smtClean="0"/>
-              <a:t>8/1/2015</a:t>
+              <a:t>7/25/2016</a:t>
             </a:fld>
             <a:endParaRPr lang="en-US"/>
           </a:p>
@@ -14222,13 +13669,6 @@
   <p:clrMapOvr>
     <a:masterClrMapping/>
   </p:clrMapOvr>
-  <p:timing>
-    <p:tnLst>
-      <p:par>
-        <p:cTn id="1" dur="indefinite" restart="never" nodeType="tmRoot"/>
-      </p:par>
-    </p:tnLst>
-  </p:timing>
 </p:sldLayout>
 </file>
 
@@ -14274,10 +13714,9 @@
           </a:lstStyle>
           <a:p>
             <a:r>
-              <a:rPr lang="en-US" smtClean="0"/>
+              <a:rPr lang="en-US"/>
               <a:t>Click to edit Master title style</a:t>
             </a:r>
-            <a:endParaRPr lang="en-US"/>
           </a:p>
         </p:txBody>
       </p:sp>
@@ -14394,7 +13833,7 @@
           <a:p>
             <a:pPr lvl="0"/>
             <a:r>
-              <a:rPr lang="en-US" smtClean="0"/>
+              <a:rPr lang="en-US"/>
               <a:t>Click to edit Master text styles</a:t>
             </a:r>
           </a:p>
@@ -14417,7 +13856,7 @@
           <a:p>
             <a:fld id="{2AD6E3B8-7C47-4309-9628-295ACFA0AD78}" type="datetime1">
               <a:rPr lang="en-US" smtClean="0"/>
-              <a:t>8/1/2015</a:t>
+              <a:t>7/25/2016</a:t>
             </a:fld>
             <a:endParaRPr lang="en-US"/>
           </a:p>
@@ -14507,10 +13946,9 @@
           <a:lstStyle/>
           <a:p>
             <a:r>
-              <a:rPr lang="en-US" smtClean="0"/>
+              <a:rPr lang="en-US"/>
               <a:t>Click to edit Master title style</a:t>
             </a:r>
-            <a:endParaRPr lang="en-US"/>
           </a:p>
         </p:txBody>
       </p:sp>
@@ -14564,38 +14002,37 @@
           <a:p>
             <a:pPr lvl="0"/>
             <a:r>
-              <a:rPr lang="en-US" smtClean="0"/>
+              <a:rPr lang="en-US"/>
               <a:t>Click to edit Master text styles</a:t>
             </a:r>
           </a:p>
           <a:p>
             <a:pPr lvl="1"/>
             <a:r>
-              <a:rPr lang="en-US" smtClean="0"/>
+              <a:rPr lang="en-US"/>
               <a:t>Second level</a:t>
             </a:r>
           </a:p>
           <a:p>
             <a:pPr lvl="2"/>
             <a:r>
-              <a:rPr lang="en-US" smtClean="0"/>
+              <a:rPr lang="en-US"/>
               <a:t>Third level</a:t>
             </a:r>
           </a:p>
           <a:p>
             <a:pPr lvl="3"/>
             <a:r>
-              <a:rPr lang="en-US" smtClean="0"/>
+              <a:rPr lang="en-US"/>
               <a:t>Fourth level</a:t>
             </a:r>
           </a:p>
           <a:p>
             <a:pPr lvl="4"/>
             <a:r>
-              <a:rPr lang="en-US" smtClean="0"/>
+              <a:rPr lang="en-US"/>
               <a:t>Fifth level</a:t>
             </a:r>
-            <a:endParaRPr lang="en-US"/>
           </a:p>
         </p:txBody>
       </p:sp>
@@ -14649,38 +14086,37 @@
           <a:p>
             <a:pPr lvl="0"/>
             <a:r>
-              <a:rPr lang="en-US" smtClean="0"/>
+              <a:rPr lang="en-US"/>
               <a:t>Click to edit Master text styles</a:t>
             </a:r>
           </a:p>
           <a:p>
             <a:pPr lvl="1"/>
             <a:r>
-              <a:rPr lang="en-US" smtClean="0"/>
+              <a:rPr lang="en-US"/>
               <a:t>Second level</a:t>
             </a:r>
           </a:p>
           <a:p>
             <a:pPr lvl="2"/>
             <a:r>
-              <a:rPr lang="en-US" smtClean="0"/>
+              <a:rPr lang="en-US"/>
               <a:t>Third level</a:t>
             </a:r>
           </a:p>
           <a:p>
             <a:pPr lvl="3"/>
             <a:r>
-              <a:rPr lang="en-US" smtClean="0"/>
+              <a:rPr lang="en-US"/>
               <a:t>Fourth level</a:t>
             </a:r>
           </a:p>
           <a:p>
             <a:pPr lvl="4"/>
             <a:r>
-              <a:rPr lang="en-US" smtClean="0"/>
+              <a:rPr lang="en-US"/>
               <a:t>Fifth level</a:t>
             </a:r>
-            <a:endParaRPr lang="en-US"/>
           </a:p>
         </p:txBody>
       </p:sp>
@@ -14701,7 +14137,7 @@
           <a:p>
             <a:fld id="{585C4994-C579-4B55-A40A-1E45AC666322}" type="datetime1">
               <a:rPr lang="en-US" smtClean="0"/>
-              <a:t>8/1/2015</a:t>
+              <a:t>7/25/2016</a:t>
             </a:fld>
             <a:endParaRPr lang="en-US"/>
           </a:p>
@@ -14795,10 +14231,9 @@
           </a:lstStyle>
           <a:p>
             <a:r>
-              <a:rPr lang="en-US" smtClean="0"/>
+              <a:rPr lang="en-US"/>
               <a:t>Click to edit Master title style</a:t>
             </a:r>
-            <a:endParaRPr lang="en-US"/>
           </a:p>
         </p:txBody>
       </p:sp>
@@ -14861,7 +14296,7 @@
           <a:p>
             <a:pPr lvl="0"/>
             <a:r>
-              <a:rPr lang="en-US" smtClean="0"/>
+              <a:rPr lang="en-US"/>
               <a:t>Click to edit Master text styles</a:t>
             </a:r>
           </a:p>
@@ -14917,38 +14352,37 @@
           <a:p>
             <a:pPr lvl="0"/>
             <a:r>
-              <a:rPr lang="en-US" smtClean="0"/>
+              <a:rPr lang="en-US"/>
               <a:t>Click to edit Master text styles</a:t>
             </a:r>
           </a:p>
           <a:p>
             <a:pPr lvl="1"/>
             <a:r>
-              <a:rPr lang="en-US" smtClean="0"/>
+              <a:rPr lang="en-US"/>
               <a:t>Second level</a:t>
             </a:r>
           </a:p>
           <a:p>
             <a:pPr lvl="2"/>
             <a:r>
-              <a:rPr lang="en-US" smtClean="0"/>
+              <a:rPr lang="en-US"/>
               <a:t>Third level</a:t>
             </a:r>
           </a:p>
           <a:p>
             <a:pPr lvl="3"/>
             <a:r>
-              <a:rPr lang="en-US" smtClean="0"/>
+              <a:rPr lang="en-US"/>
               <a:t>Fourth level</a:t>
             </a:r>
           </a:p>
           <a:p>
             <a:pPr lvl="4"/>
             <a:r>
-              <a:rPr lang="en-US" smtClean="0"/>
+              <a:rPr lang="en-US"/>
               <a:t>Fifth level</a:t>
             </a:r>
-            <a:endParaRPr lang="en-US"/>
           </a:p>
         </p:txBody>
       </p:sp>
@@ -15011,7 +14445,7 @@
           <a:p>
             <a:pPr lvl="0"/>
             <a:r>
-              <a:rPr lang="en-US" smtClean="0"/>
+              <a:rPr lang="en-US"/>
               <a:t>Click to edit Master text styles</a:t>
             </a:r>
           </a:p>
@@ -15067,38 +14501,37 @@
           <a:p>
             <a:pPr lvl="0"/>
             <a:r>
-              <a:rPr lang="en-US" smtClean="0"/>
+              <a:rPr lang="en-US"/>
               <a:t>Click to edit Master text styles</a:t>
             </a:r>
           </a:p>
           <a:p>
             <a:pPr lvl="1"/>
             <a:r>
-              <a:rPr lang="en-US" smtClean="0"/>
+              <a:rPr lang="en-US"/>
               <a:t>Second level</a:t>
             </a:r>
           </a:p>
           <a:p>
             <a:pPr lvl="2"/>
             <a:r>
-              <a:rPr lang="en-US" smtClean="0"/>
+              <a:rPr lang="en-US"/>
               <a:t>Third level</a:t>
             </a:r>
           </a:p>
           <a:p>
             <a:pPr lvl="3"/>
             <a:r>
-              <a:rPr lang="en-US" smtClean="0"/>
+              <a:rPr lang="en-US"/>
               <a:t>Fourth level</a:t>
             </a:r>
           </a:p>
           <a:p>
             <a:pPr lvl="4"/>
             <a:r>
-              <a:rPr lang="en-US" smtClean="0"/>
+              <a:rPr lang="en-US"/>
               <a:t>Fifth level</a:t>
             </a:r>
-            <a:endParaRPr lang="en-US"/>
           </a:p>
         </p:txBody>
       </p:sp>
@@ -15119,7 +14552,7 @@
           <a:p>
             <a:fld id="{E633001D-2543-4500-98A8-1AA62093D4DE}" type="datetime1">
               <a:rPr lang="en-US" smtClean="0"/>
-              <a:t>8/1/2015</a:t>
+              <a:t>7/25/2016</a:t>
             </a:fld>
             <a:endParaRPr lang="en-US"/>
           </a:p>
@@ -15209,10 +14642,9 @@
           <a:lstStyle/>
           <a:p>
             <a:r>
-              <a:rPr lang="en-US" smtClean="0"/>
+              <a:rPr lang="en-US"/>
               <a:t>Click to edit Master title style</a:t>
             </a:r>
-            <a:endParaRPr lang="en-US"/>
           </a:p>
         </p:txBody>
       </p:sp>
@@ -15233,7 +14665,7 @@
           <a:p>
             <a:fld id="{06B29BA6-3E26-4A99-8FE0-E9996DEBA7B6}" type="datetime1">
               <a:rPr lang="en-US" smtClean="0"/>
-              <a:t>8/1/2015</a:t>
+              <a:t>7/25/2016</a:t>
             </a:fld>
             <a:endParaRPr lang="en-US"/>
           </a:p>
@@ -15287,13 +14719,6 @@
   <p:clrMapOvr>
     <a:masterClrMapping/>
   </p:clrMapOvr>
-  <p:timing>
-    <p:tnLst>
-      <p:par>
-        <p:cTn id="1" dur="indefinite" restart="never" nodeType="tmRoot"/>
-      </p:par>
-    </p:tnLst>
-  </p:timing>
 </p:sldLayout>
 </file>
 
@@ -15331,7 +14756,7 @@
           <a:p>
             <a:fld id="{4C5CF89C-2569-4492-ACA3-21246CEB0095}" type="datetime1">
               <a:rPr lang="en-US" smtClean="0"/>
-              <a:t>8/1/2015</a:t>
+              <a:t>7/25/2016</a:t>
             </a:fld>
             <a:endParaRPr lang="en-US"/>
           </a:p>
@@ -15430,10 +14855,9 @@
           </a:lstStyle>
           <a:p>
             <a:r>
-              <a:rPr lang="en-US" smtClean="0"/>
+              <a:rPr lang="en-US"/>
               <a:t>Click to edit Master title style</a:t>
             </a:r>
-            <a:endParaRPr lang="en-US"/>
           </a:p>
         </p:txBody>
       </p:sp>
@@ -15487,38 +14911,37 @@
           <a:p>
             <a:pPr lvl="0"/>
             <a:r>
-              <a:rPr lang="en-US" smtClean="0"/>
+              <a:rPr lang="en-US"/>
               <a:t>Click to edit Master text styles</a:t>
             </a:r>
           </a:p>
           <a:p>
             <a:pPr lvl="1"/>
             <a:r>
-              <a:rPr lang="en-US" smtClean="0"/>
+              <a:rPr lang="en-US"/>
               <a:t>Second level</a:t>
             </a:r>
           </a:p>
           <a:p>
             <a:pPr lvl="2"/>
             <a:r>
-              <a:rPr lang="en-US" smtClean="0"/>
+              <a:rPr lang="en-US"/>
               <a:t>Third level</a:t>
             </a:r>
           </a:p>
           <a:p>
             <a:pPr lvl="3"/>
             <a:r>
-              <a:rPr lang="en-US" smtClean="0"/>
+              <a:rPr lang="en-US"/>
               <a:t>Fourth level</a:t>
             </a:r>
           </a:p>
           <a:p>
             <a:pPr lvl="4"/>
             <a:r>
-              <a:rPr lang="en-US" smtClean="0"/>
+              <a:rPr lang="en-US"/>
               <a:t>Fifth level</a:t>
             </a:r>
-            <a:endParaRPr lang="en-US"/>
           </a:p>
         </p:txBody>
       </p:sp>
@@ -15581,7 +15004,7 @@
           <a:p>
             <a:pPr lvl="0"/>
             <a:r>
-              <a:rPr lang="en-US" smtClean="0"/>
+              <a:rPr lang="en-US"/>
               <a:t>Click to edit Master text styles</a:t>
             </a:r>
           </a:p>
@@ -15604,7 +15027,7 @@
           <a:p>
             <a:fld id="{E904AF07-FDA4-4400-A20B-046421A023BD}" type="datetime1">
               <a:rPr lang="en-US" smtClean="0"/>
-              <a:t>8/1/2015</a:t>
+              <a:t>7/25/2016</a:t>
             </a:fld>
             <a:endParaRPr lang="en-US"/>
           </a:p>
@@ -15703,10 +15126,9 @@
           </a:lstStyle>
           <a:p>
             <a:r>
-              <a:rPr lang="en-US" smtClean="0"/>
+              <a:rPr lang="en-US"/>
               <a:t>Click to edit Master title style</a:t>
             </a:r>
-            <a:endParaRPr lang="en-US"/>
           </a:p>
         </p:txBody>
       </p:sp>
@@ -15830,7 +15252,7 @@
           <a:p>
             <a:pPr lvl="0"/>
             <a:r>
-              <a:rPr lang="en-US" smtClean="0"/>
+              <a:rPr lang="en-US"/>
               <a:t>Click to edit Master text styles</a:t>
             </a:r>
           </a:p>
@@ -15853,7 +15275,7 @@
           <a:p>
             <a:fld id="{9FF63D5F-E484-42DE-8225-5E6B0B8EB35A}" type="datetime1">
               <a:rPr lang="en-US" smtClean="0"/>
-              <a:t>8/1/2015</a:t>
+              <a:t>7/25/2016</a:t>
             </a:fld>
             <a:endParaRPr lang="en-US"/>
           </a:p>
@@ -15958,10 +15380,9 @@
           <a:lstStyle/>
           <a:p>
             <a:r>
-              <a:rPr lang="en-US" smtClean="0"/>
+              <a:rPr lang="en-US"/>
               <a:t>Click to edit Master title style</a:t>
             </a:r>
-            <a:endParaRPr lang="en-US"/>
           </a:p>
         </p:txBody>
       </p:sp>
@@ -15992,38 +15413,37 @@
           <a:p>
             <a:pPr lvl="0"/>
             <a:r>
-              <a:rPr lang="en-US" smtClean="0"/>
+              <a:rPr lang="en-US"/>
               <a:t>Click to edit Master text styles</a:t>
             </a:r>
           </a:p>
           <a:p>
             <a:pPr lvl="1"/>
             <a:r>
-              <a:rPr lang="en-US" smtClean="0"/>
+              <a:rPr lang="en-US"/>
               <a:t>Second level</a:t>
             </a:r>
           </a:p>
           <a:p>
             <a:pPr lvl="2"/>
             <a:r>
-              <a:rPr lang="en-US" smtClean="0"/>
+              <a:rPr lang="en-US"/>
               <a:t>Third level</a:t>
             </a:r>
           </a:p>
           <a:p>
             <a:pPr lvl="3"/>
             <a:r>
-              <a:rPr lang="en-US" smtClean="0"/>
+              <a:rPr lang="en-US"/>
               <a:t>Fourth level</a:t>
             </a:r>
           </a:p>
           <a:p>
             <a:pPr lvl="4"/>
             <a:r>
-              <a:rPr lang="en-US" smtClean="0"/>
+              <a:rPr lang="en-US"/>
               <a:t>Fifth level</a:t>
             </a:r>
-            <a:endParaRPr lang="en-US"/>
           </a:p>
         </p:txBody>
       </p:sp>
@@ -16062,7 +15482,7 @@
           <a:p>
             <a:fld id="{3EE79600-C080-49FA-9DEC-697A73724DC7}" type="datetime1">
               <a:rPr lang="en-US" smtClean="0"/>
-              <a:t>8/1/2015</a:t>
+              <a:t>7/25/2016</a:t>
             </a:fld>
             <a:endParaRPr lang="en-US"/>
           </a:p>
@@ -16163,13 +15583,6 @@
     <p:sldLayoutId id="2147483658" r:id="rId10"/>
     <p:sldLayoutId id="2147483659" r:id="rId11"/>
   </p:sldLayoutIdLst>
-  <p:timing>
-    <p:tnLst>
-      <p:par>
-        <p:cTn id="1" dur="indefinite" restart="never" nodeType="tmRoot"/>
-      </p:par>
-    </p:tnLst>
-  </p:timing>
   <p:hf hdr="0" ftr="0" dt="0"/>
   <p:txStyles>
     <p:titleStyle>
@@ -16451,22 +15864,44 @@
             <p:ph type="ctrTitle"/>
           </p:nvPr>
         </p:nvSpPr>
-        <p:spPr/>
+        <p:spPr>
+          <a:noFill/>
+          <a:ln w="28575">
+            <a:solidFill>
+              <a:schemeClr val="accent1"/>
+            </a:solidFill>
+          </a:ln>
+        </p:spPr>
         <p:txBody>
-          <a:bodyPr>
+          <a:bodyPr vert="horz" lIns="91440" tIns="45720" rIns="91440" bIns="45720" rtlCol="0" anchor="ctr" anchorCtr="0">
             <a:normAutofit/>
           </a:bodyPr>
           <a:lstStyle/>
           <a:p>
+            <a:pPr>
+              <a:buClr>
+                <a:schemeClr val="dk1"/>
+              </a:buClr>
+              <a:buFont typeface="Calibri"/>
+            </a:pPr>
             <a:r>
-              <a:rPr lang="en-US" dirty="0" smtClean="0"/>
+              <a:rPr lang="en-US" dirty="0">
+                <a:sym typeface="Calibri"/>
+                <a:rtl val="0"/>
+              </a:rPr>
               <a:t>Dealing with Conflicting Updates in </a:t>
             </a:r>
             <a:r>
-              <a:rPr lang="en-US" dirty="0" err="1" smtClean="0"/>
+              <a:rPr lang="en-US" dirty="0" err="1">
+                <a:sym typeface="Calibri"/>
+                <a:rtl val="0"/>
+              </a:rPr>
               <a:t>Git</a:t>
             </a:r>
-            <a:endParaRPr lang="en-US" dirty="0"/>
+            <a:endParaRPr lang="en-US" dirty="0">
+              <a:sym typeface="Calibri"/>
+              <a:rtl val="0"/>
+            </a:endParaRPr>
           </a:p>
         </p:txBody>
       </p:sp>
@@ -16486,30 +15921,29 @@
           <a:lstStyle/>
           <a:p>
             <a:r>
-              <a:rPr lang="en-US" dirty="0" smtClean="0"/>
+              <a:rPr lang="en-US" dirty="0"/>
               <a:t>CS 5010 Program Design Paradigms</a:t>
             </a:r>
           </a:p>
           <a:p>
             <a:r>
-              <a:rPr lang="en-US" dirty="0" smtClean="0"/>
+              <a:rPr lang="en-US" dirty="0"/>
               <a:t>“</a:t>
             </a:r>
             <a:r>
-              <a:rPr lang="en-US" dirty="0" err="1" smtClean="0"/>
+              <a:rPr lang="en-US" dirty="0" err="1"/>
               <a:t>Bootcamp</a:t>
             </a:r>
             <a:r>
-              <a:rPr lang="en-US" dirty="0" smtClean="0"/>
+              <a:rPr lang="en-US" dirty="0"/>
               <a:t>”</a:t>
             </a:r>
           </a:p>
           <a:p>
             <a:r>
-              <a:rPr lang="en-US" dirty="0" smtClean="0"/>
+              <a:rPr lang="en-US" dirty="0"/>
               <a:t>Lesson 0.6</a:t>
             </a:r>
-            <a:endParaRPr lang="en-US" dirty="0"/>
           </a:p>
         </p:txBody>
       </p:sp>
@@ -16581,27 +16015,13 @@
             <a:p>
               <a:r>
                 <a:rPr lang="en-US" sz="1000" dirty="0"/>
-                <a:t>© Mitchell Wand, </a:t>
-              </a:r>
-              <a:r>
-                <a:rPr lang="en-US" sz="1000" dirty="0" smtClean="0"/>
-                <a:t>2012-2014</a:t>
+                <a:t>© Mitchell Wand, 2012-2014</a:t>
               </a:r>
             </a:p>
             <a:p>
               <a:r>
-                <a:rPr lang="en-US" sz="1000" dirty="0" smtClean="0"/>
+                <a:rPr lang="en-US" sz="1000" dirty="0"/>
                 <a:t>This work is licensed under a </a:t>
-              </a:r>
-              <a:r>
-                <a:rPr lang="en-US" altLang="en-US" sz="1000" dirty="0" smtClean="0">
-                  <a:solidFill>
-                    <a:srgbClr val="4374B7"/>
-                  </a:solidFill>
-                  <a:latin typeface="Helvetica Neue"/>
-                  <a:hlinkClick r:id="rId4"/>
-                </a:rPr>
-                <a:t>Creative </a:t>
               </a:r>
               <a:r>
                 <a:rPr lang="en-US" altLang="en-US" sz="1000" dirty="0">
@@ -16611,7 +16031,7 @@
                   <a:latin typeface="Helvetica Neue"/>
                   <a:hlinkClick r:id="rId4"/>
                 </a:rPr>
-                <a:t>Commons Attribution-</a:t>
+                <a:t>Creative Commons Attribution-</a:t>
               </a:r>
               <a:r>
                 <a:rPr lang="en-US" altLang="en-US" sz="1000" dirty="0" err="1">
@@ -16634,10 +16054,9 @@
                 <a:t> 4.0 International License</a:t>
               </a:r>
               <a:r>
-                <a:rPr lang="en-US" sz="1000" dirty="0" smtClean="0"/>
+                <a:rPr lang="en-US" sz="1000" dirty="0"/>
                 <a:t>.</a:t>
               </a:r>
-              <a:endParaRPr lang="en-US" sz="1000" dirty="0"/>
             </a:p>
           </p:txBody>
         </p:sp>
@@ -16676,13 +16095,6 @@
   <p:clrMapOvr>
     <a:masterClrMapping/>
   </p:clrMapOvr>
-  <p:timing>
-    <p:tnLst>
-      <p:par>
-        <p:cTn id="1" dur="indefinite" restart="never" nodeType="tmRoot"/>
-      </p:par>
-    </p:tnLst>
-  </p:timing>
 </p:sld>
 </file>
 
@@ -16719,10 +16131,9 @@
           <a:lstStyle/>
           <a:p>
             <a:r>
-              <a:rPr lang="en-US" dirty="0" smtClean="0"/>
+              <a:rPr lang="en-US" dirty="0"/>
               <a:t>So, click on tools and open a shell</a:t>
             </a:r>
-            <a:endParaRPr lang="en-US" dirty="0"/>
           </a:p>
         </p:txBody>
       </p:sp>
@@ -16821,17 +16232,16 @@
           <a:p>
             <a:pPr algn="ctr"/>
             <a:r>
-              <a:rPr lang="en-US" sz="2400" dirty="0" smtClean="0"/>
+              <a:rPr lang="en-US" sz="2400" dirty="0"/>
               <a:t>Don't panic!</a:t>
             </a:r>
           </a:p>
           <a:p>
             <a:pPr algn="ctr"/>
             <a:r>
-              <a:rPr lang="en-US" sz="2400" dirty="0" smtClean="0"/>
+              <a:rPr lang="en-US" sz="2400" dirty="0"/>
               <a:t>First, look at the file in an editor</a:t>
             </a:r>
-            <a:endParaRPr lang="en-US" sz="2400" dirty="0"/>
           </a:p>
         </p:txBody>
       </p:sp>
@@ -16919,10 +16329,9 @@
           <a:p>
             <a:pPr algn="ctr"/>
             <a:r>
-              <a:rPr lang="en-US" dirty="0" smtClean="0"/>
+              <a:rPr lang="en-US" dirty="0"/>
               <a:t>Here's what we're going to do</a:t>
             </a:r>
-            <a:endParaRPr lang="en-US" dirty="0"/>
           </a:p>
         </p:txBody>
       </p:sp>
@@ -16998,13 +16407,6 @@
   <p:clrMapOvr>
     <a:masterClrMapping/>
   </p:clrMapOvr>
-  <p:timing>
-    <p:tnLst>
-      <p:par>
-        <p:cTn id="1" dur="indefinite" restart="never" nodeType="tmRoot"/>
-      </p:par>
-    </p:tnLst>
-  </p:timing>
 </p:sld>
 </file>
 
@@ -17048,18 +16450,17 @@
           <a:lstStyle/>
           <a:p>
             <a:r>
-              <a:rPr lang="en-US" dirty="0" smtClean="0"/>
+              <a:rPr lang="en-US" dirty="0"/>
               <a:t>Here's what the conflicted file looks like (in </a:t>
             </a:r>
             <a:r>
-              <a:rPr lang="en-US" dirty="0" err="1" smtClean="0"/>
+              <a:rPr lang="en-US" dirty="0" err="1"/>
               <a:t>emacs</a:t>
             </a:r>
             <a:r>
-              <a:rPr lang="en-US" dirty="0" smtClean="0"/>
+              <a:rPr lang="en-US" dirty="0"/>
               <a:t>)</a:t>
             </a:r>
-            <a:endParaRPr lang="en-US" dirty="0"/>
           </a:p>
         </p:txBody>
       </p:sp>
@@ -17144,18 +16545,13 @@
           <a:p>
             <a:pPr algn="ctr"/>
             <a:r>
-              <a:rPr lang="en-US" dirty="0" smtClean="0">
+              <a:rPr lang="en-US" dirty="0">
                 <a:solidFill>
                   <a:schemeClr val="tx1"/>
                 </a:solidFill>
               </a:rPr>
               <a:t>what's on the server</a:t>
             </a:r>
-            <a:endParaRPr lang="en-US" dirty="0">
-              <a:solidFill>
-                <a:schemeClr val="tx1"/>
-              </a:solidFill>
-            </a:endParaRPr>
           </a:p>
         </p:txBody>
       </p:sp>
@@ -17203,21 +16599,8 @@
                   <a:schemeClr val="tx1"/>
                 </a:solidFill>
               </a:rPr>
-              <a:t> </a:t>
+              <a:t>   what's on the local machine</a:t>
             </a:r>
-            <a:r>
-              <a:rPr lang="en-US" dirty="0" smtClean="0">
-                <a:solidFill>
-                  <a:schemeClr val="tx1"/>
-                </a:solidFill>
-              </a:rPr>
-              <a:t>  what's on the local machine</a:t>
-            </a:r>
-            <a:endParaRPr lang="en-US" dirty="0">
-              <a:solidFill>
-                <a:schemeClr val="tx1"/>
-              </a:solidFill>
-            </a:endParaRPr>
           </a:p>
         </p:txBody>
       </p:sp>
@@ -17255,13 +16638,6 @@
   <p:clrMapOvr>
     <a:masterClrMapping/>
   </p:clrMapOvr>
-  <p:timing>
-    <p:tnLst>
-      <p:par>
-        <p:cTn id="1" dur="indefinite" restart="never" nodeType="tmRoot"/>
-      </p:par>
-    </p:tnLst>
-  </p:timing>
 </p:sld>
 </file>
 
@@ -17305,10 +16681,9 @@
           <a:lstStyle/>
           <a:p>
             <a:r>
-              <a:rPr lang="en-US" dirty="0" smtClean="0"/>
+              <a:rPr lang="en-US" dirty="0"/>
               <a:t>Next: edit the file the way you want it</a:t>
             </a:r>
-            <a:endParaRPr lang="en-US" dirty="0"/>
           </a:p>
         </p:txBody>
       </p:sp>
@@ -17393,18 +16768,13 @@
           <a:p>
             <a:pPr algn="ctr"/>
             <a:r>
-              <a:rPr lang="en-US" dirty="0" smtClean="0">
+              <a:rPr lang="en-US" dirty="0">
                 <a:solidFill>
                   <a:schemeClr val="tx1"/>
                 </a:solidFill>
               </a:rPr>
               <a:t>no more &gt;&gt;&gt;'s</a:t>
             </a:r>
-            <a:endParaRPr lang="en-US" dirty="0">
-              <a:solidFill>
-                <a:schemeClr val="tx1"/>
-              </a:solidFill>
-            </a:endParaRPr>
           </a:p>
         </p:txBody>
       </p:sp>
@@ -17442,13 +16812,6 @@
   <p:clrMapOvr>
     <a:masterClrMapping/>
   </p:clrMapOvr>
-  <p:timing>
-    <p:tnLst>
-      <p:par>
-        <p:cTn id="1" dur="indefinite" restart="never" nodeType="tmRoot"/>
-      </p:par>
-    </p:tnLst>
-  </p:timing>
 </p:sld>
 </file>
 
@@ -17569,18 +16932,13 @@
           <a:p>
             <a:pPr algn="ctr"/>
             <a:r>
-              <a:rPr lang="en-US" dirty="0" smtClean="0">
+              <a:rPr lang="en-US" dirty="0">
                 <a:solidFill>
                   <a:schemeClr val="tx1"/>
                 </a:solidFill>
               </a:rPr>
               <a:t>add the fixed-up file to the commit</a:t>
             </a:r>
-            <a:endParaRPr lang="en-US" dirty="0">
-              <a:solidFill>
-                <a:schemeClr val="tx1"/>
-              </a:solidFill>
-            </a:endParaRPr>
           </a:p>
         </p:txBody>
       </p:sp>
@@ -17624,7 +16982,7 @@
           <a:p>
             <a:pPr algn="ctr"/>
             <a:r>
-              <a:rPr lang="en-US" dirty="0" smtClean="0">
+              <a:rPr lang="en-US" dirty="0">
                 <a:solidFill>
                   <a:schemeClr val="tx1"/>
                 </a:solidFill>
@@ -17632,7 +16990,7 @@
               <a:t>tell </a:t>
             </a:r>
             <a:r>
-              <a:rPr lang="en-US" dirty="0" err="1" smtClean="0">
+              <a:rPr lang="en-US" dirty="0" err="1">
                 <a:solidFill>
                   <a:schemeClr val="tx1"/>
                 </a:solidFill>
@@ -17640,18 +16998,13 @@
               <a:t>git</a:t>
             </a:r>
             <a:r>
-              <a:rPr lang="en-US" dirty="0" smtClean="0">
+              <a:rPr lang="en-US" dirty="0">
                 <a:solidFill>
                   <a:schemeClr val="tx1"/>
                 </a:solidFill>
               </a:rPr>
               <a:t> to continue to the next change</a:t>
             </a:r>
-            <a:endParaRPr lang="en-US" dirty="0">
-              <a:solidFill>
-                <a:schemeClr val="tx1"/>
-              </a:solidFill>
-            </a:endParaRPr>
           </a:p>
         </p:txBody>
       </p:sp>
@@ -17695,18 +17048,13 @@
           <a:p>
             <a:pPr algn="ctr"/>
             <a:r>
-              <a:rPr lang="en-US" dirty="0" smtClean="0">
+              <a:rPr lang="en-US" dirty="0">
                 <a:solidFill>
                   <a:schemeClr val="tx1"/>
                 </a:solidFill>
               </a:rPr>
               <a:t>ok! we are ready to sync</a:t>
             </a:r>
-            <a:endParaRPr lang="en-US" dirty="0">
-              <a:solidFill>
-                <a:schemeClr val="tx1"/>
-              </a:solidFill>
-            </a:endParaRPr>
           </a:p>
         </p:txBody>
       </p:sp>
@@ -17750,18 +17098,13 @@
           <a:p>
             <a:pPr algn="ctr"/>
             <a:r>
-              <a:rPr lang="en-US" dirty="0" smtClean="0">
+              <a:rPr lang="en-US" dirty="0">
                 <a:solidFill>
                   <a:schemeClr val="tx1"/>
                 </a:solidFill>
               </a:rPr>
               <a:t>if there were more conflicts, we'd have to do this process for each of them.</a:t>
             </a:r>
-            <a:endParaRPr lang="en-US" dirty="0">
-              <a:solidFill>
-                <a:schemeClr val="tx1"/>
-              </a:solidFill>
-            </a:endParaRPr>
           </a:p>
         </p:txBody>
       </p:sp>
@@ -17799,13 +17142,6 @@
   <p:clrMapOvr>
     <a:masterClrMapping/>
   </p:clrMapOvr>
-  <p:timing>
-    <p:tnLst>
-      <p:par>
-        <p:cTn id="1" dur="indefinite" restart="never" nodeType="tmRoot"/>
-      </p:par>
-    </p:tnLst>
-  </p:timing>
 </p:sld>
 </file>
 
@@ -17862,10 +17198,9 @@
           <a:lstStyle/>
           <a:p>
             <a:r>
-              <a:rPr lang="en-US" dirty="0" smtClean="0"/>
+              <a:rPr lang="en-US" dirty="0"/>
               <a:t>And we're ready to get back to work</a:t>
             </a:r>
-            <a:endParaRPr lang="en-US" dirty="0"/>
           </a:p>
         </p:txBody>
       </p:sp>
@@ -17950,10 +17285,9 @@
           <a:p>
             <a:pPr algn="ctr"/>
             <a:r>
-              <a:rPr lang="en-US" dirty="0" smtClean="0"/>
+              <a:rPr lang="en-US" dirty="0"/>
               <a:t>Observe that both commits are now in your history</a:t>
             </a:r>
-            <a:endParaRPr lang="en-US" dirty="0"/>
           </a:p>
         </p:txBody>
       </p:sp>
@@ -18024,13 +17358,6 @@
   <p:clrMapOvr>
     <a:masterClrMapping/>
   </p:clrMapOvr>
-  <p:timing>
-    <p:tnLst>
-      <p:par>
-        <p:cTn id="1" dur="indefinite" restart="never" nodeType="tmRoot"/>
-      </p:par>
-    </p:tnLst>
-  </p:timing>
 </p:sld>
 </file>
 
@@ -18067,10 +17394,9 @@
           <a:lstStyle/>
           <a:p>
             <a:r>
-              <a:rPr lang="en-US" dirty="0" smtClean="0"/>
+              <a:rPr lang="en-US" dirty="0"/>
               <a:t>Is this a pain?</a:t>
             </a:r>
-            <a:endParaRPr lang="en-US" dirty="0"/>
           </a:p>
         </p:txBody>
       </p:sp>
@@ -18092,64 +17418,63 @@
           <a:lstStyle/>
           <a:p>
             <a:r>
-              <a:rPr lang="en-US" dirty="0" smtClean="0"/>
+              <a:rPr lang="en-US" dirty="0"/>
               <a:t>Yes, but it shouldn't happen too often.</a:t>
             </a:r>
           </a:p>
           <a:p>
             <a:r>
-              <a:rPr lang="en-US" dirty="0" smtClean="0"/>
+              <a:rPr lang="en-US" dirty="0"/>
               <a:t>Your interaction with the shell might look somewhat different.</a:t>
             </a:r>
           </a:p>
           <a:p>
             <a:r>
-              <a:rPr lang="en-US" dirty="0" smtClean="0"/>
+              <a:rPr lang="en-US" dirty="0"/>
               <a:t>But the workflow is the same:</a:t>
             </a:r>
           </a:p>
           <a:p>
             <a:pPr lvl="1"/>
             <a:r>
-              <a:rPr lang="en-US" dirty="0" smtClean="0"/>
+              <a:rPr lang="en-US" dirty="0"/>
               <a:t>identify the files that are conflicted</a:t>
             </a:r>
           </a:p>
           <a:p>
             <a:pPr lvl="1"/>
             <a:r>
-              <a:rPr lang="en-US" dirty="0" smtClean="0"/>
+              <a:rPr lang="en-US" dirty="0"/>
               <a:t>identify and resolve the conflicts in each file</a:t>
             </a:r>
           </a:p>
           <a:p>
             <a:pPr lvl="2"/>
             <a:r>
-              <a:rPr lang="en-US" dirty="0" smtClean="0"/>
+              <a:rPr lang="en-US" dirty="0"/>
               <a:t>the conflicted region will be marked with &gt;&gt;&gt;'s.</a:t>
             </a:r>
           </a:p>
           <a:p>
             <a:pPr lvl="2"/>
             <a:r>
-              <a:rPr lang="en-US" dirty="0" smtClean="0"/>
+              <a:rPr lang="en-US" dirty="0"/>
               <a:t>Use your favorite text editor for this.</a:t>
             </a:r>
           </a:p>
           <a:p>
             <a:pPr lvl="1"/>
             <a:r>
-              <a:rPr lang="en-US" dirty="0" smtClean="0"/>
+              <a:rPr lang="en-US" dirty="0"/>
               <a:t>When you get the file the way you want it, add it to your commit.</a:t>
             </a:r>
           </a:p>
           <a:p>
             <a:pPr lvl="1"/>
             <a:r>
-              <a:rPr lang="en-US" dirty="0" smtClean="0"/>
+              <a:rPr lang="en-US" dirty="0"/>
               <a:t>Commit all the fixed-up files.</a:t>
             </a:r>
-            <a:endParaRPr lang="en-US" dirty="0"/>
           </a:p>
         </p:txBody>
       </p:sp>
@@ -18223,10 +17548,9 @@
           <a:lstStyle/>
           <a:p>
             <a:r>
-              <a:rPr lang="en-US" dirty="0" smtClean="0"/>
+              <a:rPr lang="en-US" dirty="0"/>
               <a:t>Summary</a:t>
             </a:r>
-            <a:endParaRPr lang="en-US" dirty="0"/>
           </a:p>
         </p:txBody>
       </p:sp>
@@ -18246,41 +17570,29 @@
           <a:lstStyle/>
           <a:p>
             <a:r>
-              <a:rPr lang="en-US" dirty="0" smtClean="0"/>
+              <a:rPr lang="en-US" dirty="0"/>
               <a:t>In this lesson you have learned</a:t>
             </a:r>
           </a:p>
           <a:p>
             <a:pPr lvl="1"/>
             <a:r>
-              <a:rPr lang="en-US" dirty="0" smtClean="0"/>
-              <a:t>what </a:t>
+              <a:rPr lang="en-US" dirty="0"/>
+              <a:t>what happens when you pull changes from an upstream repository</a:t>
             </a:r>
+          </a:p>
+          <a:p>
+            <a:pPr lvl="1"/>
             <a:r>
               <a:rPr lang="en-US" dirty="0"/>
-              <a:t>happens when you pull changes from an upstream repository</a:t>
+              <a:t>what a conflict is</a:t>
             </a:r>
           </a:p>
           <a:p>
             <a:pPr lvl="1"/>
             <a:r>
-              <a:rPr lang="en-US" dirty="0" smtClean="0"/>
-              <a:t>what </a:t>
-            </a:r>
-            <a:r>
               <a:rPr lang="en-US" dirty="0"/>
-              <a:t>a conflict is</a:t>
-            </a:r>
-          </a:p>
-          <a:p>
-            <a:pPr lvl="1"/>
-            <a:r>
-              <a:rPr lang="en-US" dirty="0" smtClean="0"/>
-              <a:t> how to resolve </a:t>
-            </a:r>
-            <a:r>
-              <a:rPr lang="en-US" dirty="0"/>
-              <a:t>a simple merge conflict in a text file (including a .</a:t>
+              <a:t> how to resolve a simple merge conflict in a text file (including a .</a:t>
             </a:r>
             <a:r>
               <a:rPr lang="en-US" dirty="0" err="1"/>
@@ -18327,13 +17639,6 @@
   <p:clrMapOvr>
     <a:masterClrMapping/>
   </p:clrMapOvr>
-  <p:timing>
-    <p:tnLst>
-      <p:par>
-        <p:cTn id="1" dur="indefinite" restart="never" nodeType="tmRoot"/>
-      </p:par>
-    </p:tnLst>
-  </p:timing>
 </p:sld>
 </file>
 
@@ -18370,10 +17675,9 @@
           <a:lstStyle/>
           <a:p>
             <a:r>
-              <a:rPr lang="en-US" dirty="0" smtClean="0"/>
+              <a:rPr lang="en-US" dirty="0"/>
               <a:t>Learning Objectives</a:t>
             </a:r>
-            <a:endParaRPr lang="en-US" dirty="0"/>
           </a:p>
         </p:txBody>
       </p:sp>
@@ -18393,42 +17697,42 @@
           <a:lstStyle/>
           <a:p>
             <a:r>
-              <a:rPr lang="en-US" dirty="0" smtClean="0"/>
+              <a:rPr lang="en-US" dirty="0"/>
               <a:t>At the end of this lesson you should be able to:</a:t>
             </a:r>
           </a:p>
           <a:p>
             <a:pPr lvl="1"/>
             <a:r>
-              <a:rPr lang="en-US" dirty="0" smtClean="0"/>
+              <a:rPr lang="en-US" dirty="0"/>
               <a:t>explain what happens when you pull changes from an upstream repository</a:t>
             </a:r>
           </a:p>
           <a:p>
             <a:pPr lvl="1"/>
             <a:r>
-              <a:rPr lang="en-US" dirty="0" smtClean="0"/>
+              <a:rPr lang="en-US" dirty="0"/>
               <a:t>understand what a conflict is</a:t>
             </a:r>
           </a:p>
           <a:p>
             <a:pPr lvl="1"/>
             <a:r>
-              <a:rPr lang="en-US" dirty="0" smtClean="0"/>
+              <a:rPr lang="en-US" dirty="0"/>
               <a:t>resolve a simple merge conflict in a text file (including a .</a:t>
             </a:r>
             <a:r>
-              <a:rPr lang="en-US" dirty="0" err="1" smtClean="0"/>
+              <a:rPr lang="en-US" dirty="0" err="1"/>
               <a:t>rkt</a:t>
             </a:r>
             <a:r>
-              <a:rPr lang="en-US" dirty="0" smtClean="0"/>
+              <a:rPr lang="en-US" dirty="0"/>
               <a:t> file)</a:t>
             </a:r>
           </a:p>
           <a:p>
             <a:pPr lvl="1"/>
-            <a:endParaRPr lang="en-US" dirty="0" smtClean="0"/>
+            <a:endParaRPr lang="en-US" dirty="0"/>
           </a:p>
         </p:txBody>
       </p:sp>
@@ -18466,13 +17770,6 @@
   <p:clrMapOvr>
     <a:masterClrMapping/>
   </p:clrMapOvr>
-  <p:timing>
-    <p:tnLst>
-      <p:par>
-        <p:cTn id="1" dur="indefinite" restart="never" nodeType="tmRoot"/>
-      </p:par>
-    </p:tnLst>
-  </p:timing>
 </p:sld>
 </file>
 
@@ -18509,10 +17806,9 @@
           <a:lstStyle/>
           <a:p>
             <a:r>
-              <a:rPr lang="en-US" dirty="0" smtClean="0"/>
+              <a:rPr lang="en-US" dirty="0"/>
               <a:t>A Commit</a:t>
             </a:r>
-            <a:endParaRPr lang="en-US" dirty="0"/>
           </a:p>
         </p:txBody>
       </p:sp>
@@ -18604,11 +17900,11 @@
             <a:p>
               <a:pPr algn="ctr"/>
               <a:r>
-                <a:rPr lang="en-US" dirty="0" smtClean="0"/>
+                <a:rPr lang="en-US" dirty="0"/>
                 <a:t>.</a:t>
               </a:r>
               <a:r>
-                <a:rPr lang="en-US" dirty="0" err="1" smtClean="0"/>
+                <a:rPr lang="en-US" dirty="0" err="1"/>
                 <a:t>git</a:t>
               </a:r>
               <a:endParaRPr lang="en-US" dirty="0"/>
@@ -18826,16 +18122,12 @@
           </a:p>
           <a:p>
             <a:pPr lvl="1"/>
-            <a:endParaRPr lang="en-US" dirty="0" smtClean="0"/>
-          </a:p>
-          <a:p>
-            <a:r>
-              <a:rPr lang="en-US" dirty="0" smtClean="0"/>
-              <a:t>The </a:t>
-            </a:r>
+            <a:endParaRPr lang="en-US" dirty="0"/>
+          </a:p>
+          <a:p>
             <a:r>
               <a:rPr lang="en-US" dirty="0"/>
-              <a:t>mini-</a:t>
+              <a:t>The mini-</a:t>
             </a:r>
             <a:r>
               <a:rPr lang="en-US" dirty="0" err="1"/>
@@ -18889,10 +18181,9 @@
           <a:p>
             <a:pPr algn="ctr"/>
             <a:r>
-              <a:rPr lang="en-US" dirty="0" smtClean="0"/>
+              <a:rPr lang="en-US" dirty="0"/>
               <a:t>Remember the basic story from the preceding lesson </a:t>
             </a:r>
-            <a:endParaRPr lang="en-US" dirty="0"/>
           </a:p>
         </p:txBody>
       </p:sp>
@@ -18930,13 +18221,6 @@
   <p:clrMapOvr>
     <a:masterClrMapping/>
   </p:clrMapOvr>
-  <p:timing>
-    <p:tnLst>
-      <p:par>
-        <p:cTn id="1" dur="indefinite" restart="never" nodeType="tmRoot"/>
-      </p:par>
-    </p:tnLst>
-  </p:timing>
 </p:sld>
 </file>
 
@@ -18973,10 +18257,9 @@
           <a:lstStyle/>
           <a:p>
             <a:r>
-              <a:rPr lang="en-US" dirty="0" smtClean="0"/>
+              <a:rPr lang="en-US" dirty="0"/>
               <a:t>Synchronizing with the server (1)</a:t>
             </a:r>
-            <a:endParaRPr lang="en-US" dirty="0"/>
           </a:p>
         </p:txBody>
       </p:sp>
@@ -19068,11 +18351,11 @@
             <a:p>
               <a:pPr algn="ctr"/>
               <a:r>
-                <a:rPr lang="en-US" dirty="0" smtClean="0"/>
+                <a:rPr lang="en-US" dirty="0"/>
                 <a:t>.</a:t>
               </a:r>
               <a:r>
-                <a:rPr lang="en-US" dirty="0" err="1" smtClean="0"/>
+                <a:rPr lang="en-US" dirty="0" err="1"/>
                 <a:t>git</a:t>
               </a:r>
               <a:endParaRPr lang="en-US" dirty="0"/>
@@ -19286,18 +18569,13 @@
           <a:p>
             <a:pPr algn="ctr"/>
             <a:r>
-              <a:rPr lang="en-US" dirty="0" smtClean="0">
+              <a:rPr lang="en-US" dirty="0">
                 <a:solidFill>
                   <a:schemeClr val="tx1"/>
                 </a:solidFill>
               </a:rPr>
               <a:t>push</a:t>
             </a:r>
-            <a:endParaRPr lang="en-US" dirty="0">
-              <a:solidFill>
-                <a:schemeClr val="tx1"/>
-              </a:solidFill>
-            </a:endParaRPr>
           </a:p>
         </p:txBody>
       </p:sp>
@@ -19324,7 +18602,7 @@
           <a:lstStyle/>
           <a:p>
             <a:r>
-              <a:rPr lang="en-US" dirty="0" smtClean="0"/>
+              <a:rPr lang="en-US" dirty="0"/>
               <a:t>At the end of each work session, you need to save your changes on the server.  This is called a “push”.</a:t>
             </a:r>
           </a:p>
@@ -19333,7 +18611,7 @@
           </a:p>
           <a:p>
             <a:r>
-              <a:rPr lang="en-US" dirty="0" smtClean="0"/>
+              <a:rPr lang="en-US" dirty="0"/>
               <a:t>Now all your data is backed up.</a:t>
             </a:r>
           </a:p>
@@ -19343,7 +18621,7 @@
               <a:buChar char="•"/>
             </a:pPr>
             <a:r>
-              <a:rPr lang="en-US" dirty="0" smtClean="0"/>
+              <a:rPr lang="en-US" dirty="0"/>
               <a:t>You can retrieve it, on your machine or some other machine.</a:t>
             </a:r>
           </a:p>
@@ -19353,7 +18631,7 @@
               <a:buChar char="•"/>
             </a:pPr>
             <a:r>
-              <a:rPr lang="en-US" dirty="0" smtClean="0"/>
+              <a:rPr lang="en-US" dirty="0"/>
               <a:t>We can retrieve it (that’s how we collect homework)</a:t>
             </a:r>
           </a:p>
@@ -19390,10 +18668,9 @@
           <a:lstStyle/>
           <a:p>
             <a:r>
-              <a:rPr lang="en-US" dirty="0" smtClean="0"/>
+              <a:rPr lang="en-US" dirty="0"/>
               <a:t>your local machine</a:t>
             </a:r>
-            <a:endParaRPr lang="en-US" dirty="0"/>
           </a:p>
         </p:txBody>
       </p:sp>
@@ -19425,18 +18702,17 @@
           <a:lstStyle/>
           <a:p>
             <a:r>
-              <a:rPr lang="en-US" dirty="0" smtClean="0"/>
+              <a:rPr lang="en-US" dirty="0"/>
               <a:t>a server, somewhere on the internet, </a:t>
             </a:r>
             <a:r>
-              <a:rPr lang="en-US" dirty="0" err="1" smtClean="0"/>
+              <a:rPr lang="en-US" dirty="0" err="1"/>
               <a:t>eg</a:t>
             </a:r>
             <a:r>
-              <a:rPr lang="en-US" dirty="0" smtClean="0"/>
+              <a:rPr lang="en-US" dirty="0"/>
               <a:t>. github.com</a:t>
             </a:r>
-            <a:endParaRPr lang="en-US" dirty="0"/>
           </a:p>
         </p:txBody>
       </p:sp>
@@ -19474,13 +18750,6 @@
   <p:clrMapOvr>
     <a:masterClrMapping/>
   </p:clrMapOvr>
-  <p:timing>
-    <p:tnLst>
-      <p:par>
-        <p:cTn id="1" dur="indefinite" restart="never" nodeType="tmRoot"/>
-      </p:par>
-    </p:tnLst>
-  </p:timing>
 </p:sld>
 </file>
 
@@ -19517,10 +18786,9 @@
           <a:lstStyle/>
           <a:p>
             <a:r>
-              <a:rPr lang="en-US" dirty="0" smtClean="0"/>
+              <a:rPr lang="en-US" dirty="0"/>
               <a:t>Synchronizing with the server (2)</a:t>
             </a:r>
-            <a:endParaRPr lang="en-US" dirty="0"/>
           </a:p>
         </p:txBody>
       </p:sp>
@@ -19612,11 +18880,11 @@
             <a:p>
               <a:pPr algn="ctr"/>
               <a:r>
-                <a:rPr lang="en-US" dirty="0" smtClean="0"/>
+                <a:rPr lang="en-US" dirty="0"/>
                 <a:t>.</a:t>
               </a:r>
               <a:r>
-                <a:rPr lang="en-US" dirty="0" err="1" smtClean="0"/>
+                <a:rPr lang="en-US" dirty="0" err="1"/>
                 <a:t>git</a:t>
               </a:r>
               <a:endParaRPr lang="en-US" dirty="0"/>
@@ -19827,18 +19095,13 @@
           <a:p>
             <a:pPr algn="ctr"/>
             <a:r>
-              <a:rPr lang="en-US" dirty="0" smtClean="0">
+              <a:rPr lang="en-US" dirty="0">
                 <a:solidFill>
                   <a:schemeClr val="tx1"/>
                 </a:solidFill>
               </a:rPr>
               <a:t>pull</a:t>
             </a:r>
-            <a:endParaRPr lang="en-US" dirty="0">
-              <a:solidFill>
-                <a:schemeClr val="tx1"/>
-              </a:solidFill>
-            </a:endParaRPr>
           </a:p>
         </p:txBody>
       </p:sp>
@@ -19865,45 +19128,45 @@
           <a:lstStyle/>
           <a:p>
             <a:r>
-              <a:rPr lang="en-US" dirty="0" smtClean="0"/>
+              <a:rPr lang="en-US" dirty="0"/>
               <a:t>To retrieve your data from the server, you do a “pull”.  A “pull” takes the data from the server and puts it both in your local mini-</a:t>
             </a:r>
             <a:r>
-              <a:rPr lang="en-US" dirty="0" err="1" smtClean="0"/>
+              <a:rPr lang="en-US" dirty="0" err="1"/>
               <a:t>fs</a:t>
             </a:r>
             <a:r>
-              <a:rPr lang="en-US" dirty="0" smtClean="0"/>
+              <a:rPr lang="en-US" dirty="0"/>
               <a:t> and in your ordinary files.</a:t>
             </a:r>
           </a:p>
           <a:p>
-            <a:endParaRPr lang="en-US" dirty="0" smtClean="0"/>
+            <a:endParaRPr lang="en-US" dirty="0"/>
           </a:p>
           <a:p>
             <a:r>
-              <a:rPr lang="en-US" dirty="0" smtClean="0"/>
+              <a:rPr lang="en-US" dirty="0"/>
               <a:t>If your local file has changed, </a:t>
             </a:r>
             <a:r>
-              <a:rPr lang="en-US" dirty="0" err="1" smtClean="0"/>
+              <a:rPr lang="en-US" dirty="0" err="1"/>
               <a:t>git</a:t>
             </a:r>
             <a:r>
-              <a:rPr lang="en-US" dirty="0" smtClean="0"/>
+              <a:rPr lang="en-US" dirty="0"/>
               <a:t> will merge the changes if possible.  If it can’t figure out how to the merge, you will get an error message.  </a:t>
             </a:r>
             <a:r>
-              <a:rPr lang="en-US" strike="sngStrike" dirty="0" smtClean="0"/>
+              <a:rPr lang="en-US" strike="sngStrike" dirty="0"/>
               <a:t>Dealing with this is beyond the scope of this tutorial </a:t>
             </a:r>
             <a:r>
-              <a:rPr lang="en-US" dirty="0" smtClean="0">
+              <a:rPr lang="en-US" dirty="0">
                 <a:sym typeface="Wingdings" pitchFamily="2" charset="2"/>
               </a:rPr>
               <a:t></a:t>
             </a:r>
-            <a:endParaRPr lang="en-US" dirty="0" smtClean="0"/>
+            <a:endParaRPr lang="en-US" dirty="0"/>
           </a:p>
           <a:p>
             <a:endParaRPr lang="en-US" dirty="0"/>
@@ -19938,10 +19201,9 @@
           <a:lstStyle/>
           <a:p>
             <a:r>
-              <a:rPr lang="en-US" dirty="0" smtClean="0"/>
+              <a:rPr lang="en-US" dirty="0"/>
               <a:t>your local machine</a:t>
             </a:r>
-            <a:endParaRPr lang="en-US" dirty="0"/>
           </a:p>
         </p:txBody>
       </p:sp>
@@ -19973,18 +19235,17 @@
           <a:lstStyle/>
           <a:p>
             <a:r>
-              <a:rPr lang="en-US" dirty="0" smtClean="0"/>
+              <a:rPr lang="en-US" dirty="0"/>
               <a:t>a server, somewhere on the internet, </a:t>
             </a:r>
             <a:r>
-              <a:rPr lang="en-US" dirty="0" err="1" smtClean="0"/>
+              <a:rPr lang="en-US" dirty="0" err="1"/>
               <a:t>eg</a:t>
             </a:r>
             <a:r>
-              <a:rPr lang="en-US" dirty="0" smtClean="0"/>
+              <a:rPr lang="en-US" dirty="0"/>
               <a:t>. github.com</a:t>
             </a:r>
-            <a:endParaRPr lang="en-US" dirty="0"/>
           </a:p>
         </p:txBody>
       </p:sp>
@@ -20032,18 +19293,13 @@
           <a:p>
             <a:pPr algn="ctr"/>
             <a:r>
-              <a:rPr lang="en-US" dirty="0" smtClean="0">
+              <a:rPr lang="en-US" dirty="0">
                 <a:solidFill>
                   <a:schemeClr val="tx1"/>
                 </a:solidFill>
               </a:rPr>
               <a:t>pull</a:t>
             </a:r>
-            <a:endParaRPr lang="en-US" dirty="0">
-              <a:solidFill>
-                <a:schemeClr val="tx1"/>
-              </a:solidFill>
-            </a:endParaRPr>
           </a:p>
         </p:txBody>
       </p:sp>
@@ -20127,13 +19383,6 @@
   <p:clrMapOvr>
     <a:masterClrMapping/>
   </p:clrMapOvr>
-  <p:timing>
-    <p:tnLst>
-      <p:par>
-        <p:cTn id="1" dur="indefinite" restart="never" nodeType="tmRoot"/>
-      </p:par>
-    </p:tnLst>
-  </p:timing>
 </p:sld>
 </file>
 
@@ -20172,10 +19421,9 @@
           <a:lstStyle/>
           <a:p>
             <a:r>
-              <a:rPr lang="en-US" dirty="0" smtClean="0"/>
+              <a:rPr lang="en-US" dirty="0"/>
               <a:t>Q: When might you need to merge?</a:t>
             </a:r>
-            <a:endParaRPr lang="en-US" dirty="0"/>
           </a:p>
         </p:txBody>
       </p:sp>
@@ -20205,10 +19453,9 @@
           <a:lstStyle/>
           <a:p>
             <a:r>
-              <a:rPr lang="en-US" sz="2400" dirty="0" smtClean="0"/>
+              <a:rPr lang="en-US" sz="2400" dirty="0"/>
               <a:t>A: When your partner committed some changes to the server,  which you don't have.</a:t>
             </a:r>
-            <a:endParaRPr lang="en-US" sz="2400" dirty="0"/>
           </a:p>
         </p:txBody>
       </p:sp>
@@ -20804,10 +20051,9 @@
           <a:p>
             <a:pPr algn="ctr"/>
             <a:r>
-              <a:rPr lang="en-US" sz="2000" dirty="0" smtClean="0"/>
+              <a:rPr lang="en-US" sz="2000" dirty="0"/>
               <a:t>Your partner's work (on the server)</a:t>
             </a:r>
-            <a:endParaRPr lang="en-US" sz="2000" dirty="0"/>
           </a:p>
         </p:txBody>
       </p:sp>
@@ -20846,10 +20092,9 @@
           <a:p>
             <a:pPr algn="ctr"/>
             <a:r>
-              <a:rPr lang="en-US" sz="2000" dirty="0" smtClean="0"/>
+              <a:rPr lang="en-US" sz="2000" dirty="0"/>
               <a:t>Your work (on your local machine)</a:t>
             </a:r>
-            <a:endParaRPr lang="en-US" sz="2000" dirty="0"/>
           </a:p>
         </p:txBody>
       </p:sp>
@@ -20888,10 +20133,9 @@
           <a:p>
             <a:pPr algn="ctr"/>
             <a:r>
-              <a:rPr lang="en-US" sz="2000" dirty="0" smtClean="0"/>
+              <a:rPr lang="en-US" sz="2000" dirty="0"/>
               <a:t>Your last pull</a:t>
             </a:r>
-            <a:endParaRPr lang="en-US" sz="2000" dirty="0"/>
           </a:p>
         </p:txBody>
       </p:sp>
@@ -20964,13 +20208,6 @@
   <p:clrMapOvr>
     <a:masterClrMapping/>
   </p:clrMapOvr>
-  <p:timing>
-    <p:tnLst>
-      <p:par>
-        <p:cTn id="1" dur="indefinite" restart="never" nodeType="tmRoot"/>
-      </p:par>
-    </p:tnLst>
-  </p:timing>
 </p:sld>
 </file>
 
@@ -21007,10 +20244,9 @@
           <a:lstStyle/>
           <a:p>
             <a:r>
-              <a:rPr lang="en-US" dirty="0" smtClean="0"/>
+              <a:rPr lang="en-US" dirty="0"/>
               <a:t>Result of Syncing</a:t>
             </a:r>
-            <a:endParaRPr lang="en-US" dirty="0"/>
           </a:p>
         </p:txBody>
       </p:sp>
@@ -21621,10 +20857,9 @@
           <a:p>
             <a:pPr algn="ctr"/>
             <a:r>
-              <a:rPr lang="en-US" sz="2000" dirty="0" smtClean="0"/>
+              <a:rPr lang="en-US" sz="2000" dirty="0"/>
               <a:t>Your partner's work (on the server)</a:t>
             </a:r>
-            <a:endParaRPr lang="en-US" sz="2000" dirty="0"/>
           </a:p>
         </p:txBody>
       </p:sp>
@@ -21663,10 +20898,9 @@
           <a:p>
             <a:pPr algn="ctr"/>
             <a:r>
-              <a:rPr lang="en-US" sz="2000" dirty="0" smtClean="0"/>
+              <a:rPr lang="en-US" sz="2000" dirty="0"/>
               <a:t>Your work (on your local machine)</a:t>
             </a:r>
-            <a:endParaRPr lang="en-US" sz="2000" dirty="0"/>
           </a:p>
         </p:txBody>
       </p:sp>
@@ -21698,10 +20932,9 @@
           <a:lstStyle/>
           <a:p>
             <a:r>
-              <a:rPr lang="en-US" sz="2000" dirty="0" smtClean="0"/>
+              <a:rPr lang="en-US" sz="2000" dirty="0"/>
               <a:t>Your changes are applied to the latest version on the server.  This is called "rebasing"</a:t>
             </a:r>
-            <a:endParaRPr lang="en-US" sz="2000" dirty="0"/>
           </a:p>
         </p:txBody>
       </p:sp>
@@ -21740,10 +20973,9 @@
           <a:p>
             <a:pPr algn="ctr"/>
             <a:r>
-              <a:rPr lang="en-US" sz="2000" dirty="0" smtClean="0"/>
+              <a:rPr lang="en-US" sz="2000" dirty="0"/>
               <a:t>Combined work now lives on both the server and your local machine.</a:t>
             </a:r>
-            <a:endParaRPr lang="en-US" sz="2000" dirty="0"/>
           </a:p>
         </p:txBody>
       </p:sp>
@@ -22133,10 +21365,9 @@
           <a:lstStyle/>
           <a:p>
             <a:r>
-              <a:rPr lang="en-US" dirty="0" smtClean="0"/>
+              <a:rPr lang="en-US" dirty="0"/>
               <a:t>Most of the time, this works well</a:t>
             </a:r>
-            <a:endParaRPr lang="en-US" dirty="0"/>
           </a:p>
         </p:txBody>
       </p:sp>
@@ -22156,22 +21387,21 @@
           <a:lstStyle/>
           <a:p>
             <a:r>
-              <a:rPr lang="en-US" dirty="0" smtClean="0"/>
+              <a:rPr lang="en-US" dirty="0"/>
               <a:t>So long as you and your partner are working on separate parts of the file, this works fine.</a:t>
             </a:r>
           </a:p>
           <a:p>
             <a:r>
-              <a:rPr lang="en-US" dirty="0" smtClean="0"/>
+              <a:rPr lang="en-US" dirty="0"/>
               <a:t>Both sets of changes get made, and the history on the server stays linear</a:t>
             </a:r>
           </a:p>
           <a:p>
             <a:r>
-              <a:rPr lang="en-US" dirty="0" smtClean="0"/>
+              <a:rPr lang="en-US" dirty="0"/>
               <a:t>But what happens if you and your partner commit incompatible changes?</a:t>
             </a:r>
-            <a:endParaRPr lang="en-US" dirty="0"/>
           </a:p>
         </p:txBody>
       </p:sp>
@@ -22209,13 +21439,6 @@
   <p:clrMapOvr>
     <a:masterClrMapping/>
   </p:clrMapOvr>
-  <p:timing>
-    <p:tnLst>
-      <p:par>
-        <p:cTn id="1" dur="indefinite" restart="never" nodeType="tmRoot"/>
-      </p:par>
-    </p:tnLst>
-  </p:timing>
 </p:sld>
 </file>
 
@@ -22252,10 +21475,9 @@
           <a:lstStyle/>
           <a:p>
             <a:r>
-              <a:rPr lang="en-US" dirty="0" smtClean="0"/>
+              <a:rPr lang="en-US" dirty="0"/>
               <a:t>Here's what you'll see</a:t>
             </a:r>
-            <a:endParaRPr lang="en-US" dirty="0"/>
           </a:p>
         </p:txBody>
       </p:sp>
@@ -22339,13 +21561,6 @@
   <p:clrMapOvr>
     <a:masterClrMapping/>
   </p:clrMapOvr>
-  <p:timing>
-    <p:tnLst>
-      <p:par>
-        <p:cTn id="1" dur="indefinite" restart="never" nodeType="tmRoot"/>
-      </p:par>
-    </p:tnLst>
-  </p:timing>
 </p:sld>
 </file>
 
